--- a/static/images/git-merge/git_rebase.pptx
+++ b/static/images/git-merge/git_rebase.pptx
@@ -8,7 +8,7 @@
     <p:sldId id="259" r:id="rId2"/>
     <p:sldId id="261" r:id="rId3"/>
   </p:sldIdLst>
-  <p:sldSz cx="9144000" cy="6858000" type="screen4x3"/>
+  <p:sldSz cx="9145588" cy="5221288"/>
   <p:notesSz cx="6858000" cy="9144000"/>
   <p:defaultTextStyle>
     <a:defPPr>
@@ -137,8 +137,8 @@
         </p:nvSpPr>
         <p:spPr>
           <a:xfrm>
-            <a:off x="685800" y="2130425"/>
-            <a:ext cx="7772400" cy="1470025"/>
+            <a:off x="685919" y="1621985"/>
+            <a:ext cx="7773750" cy="1119193"/>
           </a:xfrm>
         </p:spPr>
         <p:txBody>
@@ -165,8 +165,8 @@
         </p:nvSpPr>
         <p:spPr>
           <a:xfrm>
-            <a:off x="1371600" y="3886200"/>
-            <a:ext cx="6400800" cy="1752600"/>
+            <a:off x="1371838" y="2958731"/>
+            <a:ext cx="6401912" cy="1334329"/>
           </a:xfrm>
         </p:spPr>
         <p:txBody>
@@ -289,7 +289,7 @@
           <a:p>
             <a:fld id="{B5CA565D-B2B5-478A-B2C3-113F166969BB}" type="datetimeFigureOut">
               <a:rPr kumimoji="1" lang="ja-JP" altLang="en-US" smtClean="0"/>
-              <a:t>2015/12/27</a:t>
+              <a:t>2016/4/17</a:t>
             </a:fld>
             <a:endParaRPr kumimoji="1" lang="ja-JP" altLang="en-US"/>
           </a:p>
@@ -491,7 +491,7 @@
           <a:p>
             <a:fld id="{B5CA565D-B2B5-478A-B2C3-113F166969BB}" type="datetimeFigureOut">
               <a:rPr kumimoji="1" lang="ja-JP" altLang="en-US" smtClean="0"/>
-              <a:t>2015/12/27</a:t>
+              <a:t>2016/4/17</a:t>
             </a:fld>
             <a:endParaRPr kumimoji="1" lang="ja-JP" altLang="en-US"/>
           </a:p>
@@ -581,8 +581,8 @@
         </p:nvSpPr>
         <p:spPr>
           <a:xfrm>
-            <a:off x="6629400" y="274638"/>
-            <a:ext cx="2057400" cy="5851525"/>
+            <a:off x="6630553" y="209095"/>
+            <a:ext cx="2057757" cy="4455015"/>
           </a:xfrm>
         </p:spPr>
         <p:txBody>
@@ -609,8 +609,8 @@
         </p:nvSpPr>
         <p:spPr>
           <a:xfrm>
-            <a:off x="457200" y="274638"/>
-            <a:ext cx="6019800" cy="5851525"/>
+            <a:off x="457282" y="209095"/>
+            <a:ext cx="6020845" cy="4455015"/>
           </a:xfrm>
         </p:spPr>
         <p:txBody>
@@ -703,7 +703,7 @@
           <a:p>
             <a:fld id="{B5CA565D-B2B5-478A-B2C3-113F166969BB}" type="datetimeFigureOut">
               <a:rPr kumimoji="1" lang="ja-JP" altLang="en-US" smtClean="0"/>
-              <a:t>2015/12/27</a:t>
+              <a:t>2016/4/17</a:t>
             </a:fld>
             <a:endParaRPr kumimoji="1" lang="ja-JP" altLang="en-US"/>
           </a:p>
@@ -905,7 +905,7 @@
           <a:p>
             <a:fld id="{B5CA565D-B2B5-478A-B2C3-113F166969BB}" type="datetimeFigureOut">
               <a:rPr kumimoji="1" lang="ja-JP" altLang="en-US" smtClean="0"/>
-              <a:t>2015/12/27</a:t>
+              <a:t>2016/4/17</a:t>
             </a:fld>
             <a:endParaRPr kumimoji="1" lang="ja-JP" altLang="en-US"/>
           </a:p>
@@ -995,8 +995,8 @@
         </p:nvSpPr>
         <p:spPr>
           <a:xfrm>
-            <a:off x="722313" y="4406900"/>
-            <a:ext cx="7772400" cy="1362075"/>
+            <a:off x="722438" y="3355161"/>
+            <a:ext cx="7773750" cy="1037006"/>
           </a:xfrm>
         </p:spPr>
         <p:txBody>
@@ -1027,8 +1027,8 @@
         </p:nvSpPr>
         <p:spPr>
           <a:xfrm>
-            <a:off x="722313" y="2906713"/>
-            <a:ext cx="7772400" cy="1500187"/>
+            <a:off x="722438" y="2213006"/>
+            <a:ext cx="7773750" cy="1142156"/>
           </a:xfrm>
         </p:spPr>
         <p:txBody>
@@ -1151,7 +1151,7 @@
           <a:p>
             <a:fld id="{B5CA565D-B2B5-478A-B2C3-113F166969BB}" type="datetimeFigureOut">
               <a:rPr kumimoji="1" lang="ja-JP" altLang="en-US" smtClean="0"/>
-              <a:t>2015/12/27</a:t>
+              <a:t>2016/4/17</a:t>
             </a:fld>
             <a:endParaRPr kumimoji="1" lang="ja-JP" altLang="en-US"/>
           </a:p>
@@ -1264,8 +1264,8 @@
         </p:nvSpPr>
         <p:spPr>
           <a:xfrm>
-            <a:off x="457200" y="1600200"/>
-            <a:ext cx="4038600" cy="4525963"/>
+            <a:off x="457281" y="1218301"/>
+            <a:ext cx="4039301" cy="3445809"/>
           </a:xfrm>
         </p:spPr>
         <p:txBody>
@@ -1381,8 +1381,8 @@
         </p:nvSpPr>
         <p:spPr>
           <a:xfrm>
-            <a:off x="4648200" y="1600200"/>
-            <a:ext cx="4038600" cy="4525963"/>
+            <a:off x="4649009" y="1218301"/>
+            <a:ext cx="4039301" cy="3445809"/>
           </a:xfrm>
         </p:spPr>
         <p:txBody>
@@ -1503,7 +1503,7 @@
           <a:p>
             <a:fld id="{B5CA565D-B2B5-478A-B2C3-113F166969BB}" type="datetimeFigureOut">
               <a:rPr kumimoji="1" lang="ja-JP" altLang="en-US" smtClean="0"/>
-              <a:t>2015/12/27</a:t>
+              <a:t>2016/4/17</a:t>
             </a:fld>
             <a:endParaRPr kumimoji="1" lang="ja-JP" altLang="en-US"/>
           </a:p>
@@ -1620,8 +1620,8 @@
         </p:nvSpPr>
         <p:spPr>
           <a:xfrm>
-            <a:off x="457200" y="1535113"/>
-            <a:ext cx="4040188" cy="639762"/>
+            <a:off x="457279" y="1168747"/>
+            <a:ext cx="4040890" cy="487079"/>
           </a:xfrm>
         </p:spPr>
         <p:txBody>
@@ -1685,8 +1685,8 @@
         </p:nvSpPr>
         <p:spPr>
           <a:xfrm>
-            <a:off x="457200" y="2174875"/>
-            <a:ext cx="4040188" cy="3951288"/>
+            <a:off x="457279" y="1655826"/>
+            <a:ext cx="4040890" cy="3008284"/>
           </a:xfrm>
         </p:spPr>
         <p:txBody>
@@ -1802,8 +1802,8 @@
         </p:nvSpPr>
         <p:spPr>
           <a:xfrm>
-            <a:off x="4645025" y="1535113"/>
-            <a:ext cx="4041775" cy="639762"/>
+            <a:off x="4645834" y="1168747"/>
+            <a:ext cx="4042477" cy="487079"/>
           </a:xfrm>
         </p:spPr>
         <p:txBody>
@@ -1867,8 +1867,8 @@
         </p:nvSpPr>
         <p:spPr>
           <a:xfrm>
-            <a:off x="4645025" y="2174875"/>
-            <a:ext cx="4041775" cy="3951288"/>
+            <a:off x="4645834" y="1655826"/>
+            <a:ext cx="4042477" cy="3008284"/>
           </a:xfrm>
         </p:spPr>
         <p:txBody>
@@ -1989,7 +1989,7 @@
           <a:p>
             <a:fld id="{B5CA565D-B2B5-478A-B2C3-113F166969BB}" type="datetimeFigureOut">
               <a:rPr kumimoji="1" lang="ja-JP" altLang="en-US" smtClean="0"/>
-              <a:t>2015/12/27</a:t>
+              <a:t>2016/4/17</a:t>
             </a:fld>
             <a:endParaRPr kumimoji="1" lang="ja-JP" altLang="en-US"/>
           </a:p>
@@ -2107,7 +2107,7 @@
           <a:p>
             <a:fld id="{B5CA565D-B2B5-478A-B2C3-113F166969BB}" type="datetimeFigureOut">
               <a:rPr kumimoji="1" lang="ja-JP" altLang="en-US" smtClean="0"/>
-              <a:t>2015/12/27</a:t>
+              <a:t>2016/4/17</a:t>
             </a:fld>
             <a:endParaRPr kumimoji="1" lang="ja-JP" altLang="en-US"/>
           </a:p>
@@ -2202,7 +2202,7 @@
           <a:p>
             <a:fld id="{B5CA565D-B2B5-478A-B2C3-113F166969BB}" type="datetimeFigureOut">
               <a:rPr kumimoji="1" lang="ja-JP" altLang="en-US" smtClean="0"/>
-              <a:t>2015/12/27</a:t>
+              <a:t>2016/4/17</a:t>
             </a:fld>
             <a:endParaRPr kumimoji="1" lang="ja-JP" altLang="en-US"/>
           </a:p>
@@ -2292,8 +2292,8 @@
         </p:nvSpPr>
         <p:spPr>
           <a:xfrm>
-            <a:off x="457200" y="273050"/>
-            <a:ext cx="3008313" cy="1162050"/>
+            <a:off x="457282" y="207885"/>
+            <a:ext cx="3008835" cy="884718"/>
           </a:xfrm>
         </p:spPr>
         <p:txBody>
@@ -2324,8 +2324,8 @@
         </p:nvSpPr>
         <p:spPr>
           <a:xfrm>
-            <a:off x="3575050" y="273050"/>
-            <a:ext cx="5111750" cy="5853113"/>
+            <a:off x="3575671" y="207886"/>
+            <a:ext cx="5112638" cy="4456224"/>
           </a:xfrm>
         </p:spPr>
         <p:txBody>
@@ -2441,8 +2441,8 @@
         </p:nvSpPr>
         <p:spPr>
           <a:xfrm>
-            <a:off x="457200" y="1435100"/>
-            <a:ext cx="3008313" cy="4691063"/>
+            <a:off x="457282" y="1092604"/>
+            <a:ext cx="3008835" cy="3571506"/>
           </a:xfrm>
         </p:spPr>
         <p:txBody>
@@ -2511,7 +2511,7 @@
           <a:p>
             <a:fld id="{B5CA565D-B2B5-478A-B2C3-113F166969BB}" type="datetimeFigureOut">
               <a:rPr kumimoji="1" lang="ja-JP" altLang="en-US" smtClean="0"/>
-              <a:t>2015/12/27</a:t>
+              <a:t>2016/4/17</a:t>
             </a:fld>
             <a:endParaRPr kumimoji="1" lang="ja-JP" altLang="en-US"/>
           </a:p>
@@ -2601,8 +2601,8 @@
         </p:nvSpPr>
         <p:spPr>
           <a:xfrm>
-            <a:off x="1792288" y="4800600"/>
-            <a:ext cx="5486400" cy="566738"/>
+            <a:off x="1792601" y="3654902"/>
+            <a:ext cx="5487353" cy="431482"/>
           </a:xfrm>
         </p:spPr>
         <p:txBody>
@@ -2633,8 +2633,8 @@
         </p:nvSpPr>
         <p:spPr>
           <a:xfrm>
-            <a:off x="1792288" y="612775"/>
-            <a:ext cx="5486400" cy="4114800"/>
+            <a:off x="1792601" y="466531"/>
+            <a:ext cx="5487353" cy="3132773"/>
           </a:xfrm>
         </p:spPr>
         <p:txBody>
@@ -2694,8 +2694,8 @@
         </p:nvSpPr>
         <p:spPr>
           <a:xfrm>
-            <a:off x="1792288" y="5367338"/>
-            <a:ext cx="5486400" cy="804862"/>
+            <a:off x="1792601" y="4086385"/>
+            <a:ext cx="5487353" cy="612776"/>
           </a:xfrm>
         </p:spPr>
         <p:txBody>
@@ -2764,7 +2764,7 @@
           <a:p>
             <a:fld id="{B5CA565D-B2B5-478A-B2C3-113F166969BB}" type="datetimeFigureOut">
               <a:rPr kumimoji="1" lang="ja-JP" altLang="en-US" smtClean="0"/>
-              <a:t>2015/12/27</a:t>
+              <a:t>2016/4/17</a:t>
             </a:fld>
             <a:endParaRPr kumimoji="1" lang="ja-JP" altLang="en-US"/>
           </a:p>
@@ -2859,8 +2859,8 @@
         </p:nvSpPr>
         <p:spPr>
           <a:xfrm>
-            <a:off x="457200" y="274638"/>
-            <a:ext cx="8229600" cy="1143000"/>
+            <a:off x="457282" y="209094"/>
+            <a:ext cx="8231029" cy="870216"/>
           </a:xfrm>
           <a:prstGeom prst="rect">
             <a:avLst/>
@@ -2892,8 +2892,8 @@
         </p:nvSpPr>
         <p:spPr>
           <a:xfrm>
-            <a:off x="457200" y="1600200"/>
-            <a:ext cx="8229600" cy="4525963"/>
+            <a:off x="457282" y="1218301"/>
+            <a:ext cx="8231029" cy="3445809"/>
           </a:xfrm>
           <a:prstGeom prst="rect">
             <a:avLst/>
@@ -2986,8 +2986,8 @@
         </p:nvSpPr>
         <p:spPr>
           <a:xfrm>
-            <a:off x="457200" y="6356350"/>
-            <a:ext cx="2133600" cy="365125"/>
+            <a:off x="457280" y="4839361"/>
+            <a:ext cx="2133971" cy="277985"/>
           </a:xfrm>
           <a:prstGeom prst="rect">
             <a:avLst/>
@@ -3009,7 +3009,7 @@
           <a:p>
             <a:fld id="{B5CA565D-B2B5-478A-B2C3-113F166969BB}" type="datetimeFigureOut">
               <a:rPr kumimoji="1" lang="ja-JP" altLang="en-US" smtClean="0"/>
-              <a:t>2015/12/27</a:t>
+              <a:t>2016/4/17</a:t>
             </a:fld>
             <a:endParaRPr kumimoji="1" lang="ja-JP" altLang="en-US"/>
           </a:p>
@@ -3027,8 +3027,8 @@
         </p:nvSpPr>
         <p:spPr>
           <a:xfrm>
-            <a:off x="3124200" y="6356350"/>
-            <a:ext cx="2895600" cy="365125"/>
+            <a:off x="3124745" y="4839361"/>
+            <a:ext cx="2896103" cy="277985"/>
           </a:xfrm>
           <a:prstGeom prst="rect">
             <a:avLst/>
@@ -3064,8 +3064,8 @@
         </p:nvSpPr>
         <p:spPr>
           <a:xfrm>
-            <a:off x="6553200" y="6356350"/>
-            <a:ext cx="2133600" cy="365125"/>
+            <a:off x="6554340" y="4839361"/>
+            <a:ext cx="2133971" cy="277985"/>
           </a:xfrm>
           <a:prstGeom prst="rect">
             <a:avLst/>
@@ -3386,18 +3386,24 @@
       </p:grpSpPr>
       <p:sp>
         <p:nvSpPr>
-          <p:cNvPr id="21" name="円/楕円 20"/>
+          <p:cNvPr id="65" name="円/楕円 64"/>
           <p:cNvSpPr/>
           <p:nvPr/>
         </p:nvSpPr>
         <p:spPr>
           <a:xfrm>
-            <a:off x="1259632" y="3220169"/>
+            <a:off x="1259632" y="2926382"/>
             <a:ext cx="540000" cy="540000"/>
           </a:xfrm>
           <a:prstGeom prst="ellipse">
             <a:avLst/>
           </a:prstGeom>
+          <a:solidFill>
+            <a:srgbClr val="FF0066"/>
+          </a:solidFill>
+          <a:ln>
+            <a:noFill/>
+          </a:ln>
         </p:spPr>
         <p:style>
           <a:lnRef idx="2">
@@ -3416,40 +3422,40 @@
           </a:fontRef>
         </p:style>
         <p:txBody>
-          <a:bodyPr rtlCol="0" anchor="ctr"/>
+          <a:bodyPr lIns="91429" tIns="45715" rIns="91429" bIns="45715" rtlCol="0" anchor="ctr"/>
           <a:lstStyle/>
           <a:p>
-            <a:pPr algn="ctr"/>
-            <a:r>
-              <a:rPr kumimoji="1" lang="en-US" altLang="ja-JP" dirty="0" smtClean="0"/>
+            <a:pPr algn="ctr" defTabSz="914295"/>
+            <a:r>
+              <a:rPr lang="en-US" altLang="ja-JP" dirty="0"/>
               <a:t>A</a:t>
             </a:r>
-            <a:endParaRPr kumimoji="1" lang="ja-JP" altLang="en-US" dirty="0"/>
+            <a:endParaRPr lang="ja-JP" altLang="en-US" dirty="0"/>
           </a:p>
         </p:txBody>
       </p:sp>
       <p:cxnSp>
         <p:nvCxnSpPr>
-          <p:cNvPr id="22" name="直線矢印コネクタ 21"/>
+          <p:cNvPr id="66" name="直線矢印コネクタ 65"/>
           <p:cNvCxnSpPr>
-            <a:stCxn id="23" idx="2"/>
-            <a:endCxn id="21" idx="6"/>
+            <a:stCxn id="67" idx="2"/>
+            <a:endCxn id="65" idx="6"/>
           </p:cNvCxnSpPr>
           <p:nvPr/>
         </p:nvCxnSpPr>
         <p:spPr>
           <a:xfrm flipH="1">
-            <a:off x="1799632" y="3490169"/>
+            <a:off x="1799632" y="3196382"/>
             <a:ext cx="432168" cy="0"/>
           </a:xfrm>
           <a:prstGeom prst="straightConnector1">
             <a:avLst/>
           </a:prstGeom>
-          <a:ln w="19050">
+          <a:ln w="31750">
             <a:solidFill>
               <a:schemeClr val="tx1"/>
             </a:solidFill>
-            <a:prstDash val="sysDash"/>
+            <a:prstDash val="sysDot"/>
             <a:tailEnd type="triangle" w="lg" len="med"/>
           </a:ln>
         </p:spPr>
@@ -3470,18 +3476,24 @@
       </p:cxnSp>
       <p:sp>
         <p:nvSpPr>
-          <p:cNvPr id="23" name="円/楕円 22"/>
+          <p:cNvPr id="67" name="円/楕円 66"/>
           <p:cNvSpPr/>
           <p:nvPr/>
         </p:nvSpPr>
         <p:spPr>
           <a:xfrm>
-            <a:off x="2231800" y="3220169"/>
+            <a:off x="2231800" y="2926382"/>
             <a:ext cx="540000" cy="540000"/>
           </a:xfrm>
           <a:prstGeom prst="ellipse">
             <a:avLst/>
           </a:prstGeom>
+          <a:solidFill>
+            <a:srgbClr val="FF0066"/>
+          </a:solidFill>
+          <a:ln>
+            <a:noFill/>
+          </a:ln>
         </p:spPr>
         <p:style>
           <a:lnRef idx="2">
@@ -3500,32 +3512,38 @@
           </a:fontRef>
         </p:style>
         <p:txBody>
-          <a:bodyPr rtlCol="0" anchor="ctr"/>
+          <a:bodyPr lIns="91429" tIns="45715" rIns="91429" bIns="45715" rtlCol="0" anchor="ctr"/>
           <a:lstStyle/>
           <a:p>
-            <a:pPr algn="ctr"/>
-            <a:r>
-              <a:rPr kumimoji="1" lang="en-US" altLang="ja-JP" dirty="0" smtClean="0"/>
+            <a:pPr algn="ctr" defTabSz="914295"/>
+            <a:r>
+              <a:rPr lang="en-US" altLang="ja-JP" dirty="0"/>
               <a:t>B</a:t>
             </a:r>
-            <a:endParaRPr kumimoji="1" lang="ja-JP" altLang="en-US" dirty="0"/>
-          </a:p>
-        </p:txBody>
-      </p:sp>
-      <p:sp>
-        <p:nvSpPr>
-          <p:cNvPr id="24" name="円/楕円 23"/>
+            <a:endParaRPr lang="ja-JP" altLang="en-US" dirty="0"/>
+          </a:p>
+        </p:txBody>
+      </p:sp>
+      <p:sp>
+        <p:nvSpPr>
+          <p:cNvPr id="68" name="円/楕円 67"/>
           <p:cNvSpPr/>
           <p:nvPr/>
         </p:nvSpPr>
         <p:spPr>
           <a:xfrm>
-            <a:off x="3203968" y="3220169"/>
+            <a:off x="3203968" y="2926382"/>
             <a:ext cx="540000" cy="540000"/>
           </a:xfrm>
           <a:prstGeom prst="ellipse">
             <a:avLst/>
           </a:prstGeom>
+          <a:solidFill>
+            <a:srgbClr val="FF0066"/>
+          </a:solidFill>
+          <a:ln>
+            <a:noFill/>
+          </a:ln>
         </p:spPr>
         <p:style>
           <a:lnRef idx="2">
@@ -3544,40 +3562,40 @@
           </a:fontRef>
         </p:style>
         <p:txBody>
-          <a:bodyPr rtlCol="0" anchor="ctr"/>
+          <a:bodyPr lIns="91429" tIns="45715" rIns="91429" bIns="45715" rtlCol="0" anchor="ctr"/>
           <a:lstStyle/>
           <a:p>
-            <a:pPr algn="ctr"/>
-            <a:r>
-              <a:rPr kumimoji="1" lang="en-US" altLang="ja-JP" dirty="0" smtClean="0"/>
+            <a:pPr algn="ctr" defTabSz="914295"/>
+            <a:r>
+              <a:rPr lang="en-US" altLang="ja-JP" dirty="0"/>
               <a:t>C</a:t>
             </a:r>
-            <a:endParaRPr kumimoji="1" lang="ja-JP" altLang="en-US" dirty="0"/>
+            <a:endParaRPr lang="ja-JP" altLang="en-US" dirty="0"/>
           </a:p>
         </p:txBody>
       </p:sp>
       <p:cxnSp>
         <p:nvCxnSpPr>
-          <p:cNvPr id="25" name="直線矢印コネクタ 24"/>
+          <p:cNvPr id="69" name="直線矢印コネクタ 68"/>
           <p:cNvCxnSpPr>
-            <a:stCxn id="24" idx="2"/>
-            <a:endCxn id="23" idx="6"/>
+            <a:stCxn id="68" idx="2"/>
+            <a:endCxn id="67" idx="6"/>
           </p:cNvCxnSpPr>
           <p:nvPr/>
         </p:nvCxnSpPr>
         <p:spPr>
           <a:xfrm flipH="1">
-            <a:off x="2771800" y="3490169"/>
+            <a:off x="2771800" y="3196382"/>
             <a:ext cx="432168" cy="0"/>
           </a:xfrm>
           <a:prstGeom prst="straightConnector1">
             <a:avLst/>
           </a:prstGeom>
-          <a:ln w="19050">
+          <a:ln w="31750">
             <a:solidFill>
               <a:schemeClr val="tx1"/>
             </a:solidFill>
-            <a:prstDash val="sysDash"/>
+            <a:prstDash val="sysDot"/>
             <a:tailEnd type="triangle" w="lg" len="med"/>
           </a:ln>
         </p:spPr>
@@ -3598,23 +3616,23 @@
       </p:cxnSp>
       <p:cxnSp>
         <p:nvCxnSpPr>
-          <p:cNvPr id="26" name="直線矢印コネクタ 25"/>
+          <p:cNvPr id="70" name="直線矢印コネクタ 69"/>
           <p:cNvCxnSpPr/>
           <p:nvPr/>
         </p:nvCxnSpPr>
         <p:spPr>
           <a:xfrm flipH="1">
-            <a:off x="4444048" y="2714675"/>
+            <a:off x="4444048" y="2420888"/>
             <a:ext cx="428406" cy="505494"/>
           </a:xfrm>
           <a:prstGeom prst="straightConnector1">
             <a:avLst/>
           </a:prstGeom>
-          <a:ln w="19050">
+          <a:ln w="31750">
             <a:solidFill>
               <a:schemeClr val="tx1"/>
             </a:solidFill>
-            <a:prstDash val="sysDash"/>
+            <a:prstDash val="sysDot"/>
             <a:tailEnd type="triangle" w="lg" len="med"/>
           </a:ln>
         </p:spPr>
@@ -3635,19 +3653,20 @@
       </p:cxnSp>
       <p:sp>
         <p:nvSpPr>
-          <p:cNvPr id="27" name="正方形/長方形 26"/>
+          <p:cNvPr id="71" name="正方形/長方形 70"/>
           <p:cNvSpPr/>
           <p:nvPr/>
         </p:nvSpPr>
         <p:spPr>
           <a:xfrm>
-            <a:off x="4872454" y="2426643"/>
+            <a:off x="4872454" y="2132856"/>
             <a:ext cx="936044" cy="288032"/>
           </a:xfrm>
           <a:prstGeom prst="rect">
             <a:avLst/>
           </a:prstGeom>
           <a:ln>
+            <a:noFill/>
             <a:prstDash val="sysDash"/>
           </a:ln>
         </p:spPr>
@@ -3668,32 +3687,38 @@
           </a:fontRef>
         </p:style>
         <p:txBody>
-          <a:bodyPr rtlCol="0" anchor="ctr"/>
+          <a:bodyPr lIns="91429" tIns="45715" rIns="91429" bIns="45715" rtlCol="0" anchor="ctr"/>
           <a:lstStyle/>
           <a:p>
-            <a:pPr algn="ctr"/>
-            <a:r>
-              <a:rPr kumimoji="1" lang="en-US" altLang="ja-JP" dirty="0" smtClean="0"/>
+            <a:pPr algn="ctr" defTabSz="914295"/>
+            <a:r>
+              <a:rPr lang="en-US" altLang="ja-JP" dirty="0"/>
               <a:t>master</a:t>
             </a:r>
-            <a:endParaRPr kumimoji="1" lang="ja-JP" altLang="en-US" dirty="0"/>
-          </a:p>
-        </p:txBody>
-      </p:sp>
-      <p:sp>
-        <p:nvSpPr>
-          <p:cNvPr id="28" name="円/楕円 27"/>
+            <a:endParaRPr lang="ja-JP" altLang="en-US" dirty="0"/>
+          </a:p>
+        </p:txBody>
+      </p:sp>
+      <p:sp>
+        <p:nvSpPr>
+          <p:cNvPr id="72" name="円/楕円 71"/>
           <p:cNvSpPr/>
           <p:nvPr/>
         </p:nvSpPr>
         <p:spPr>
           <a:xfrm>
-            <a:off x="4158074" y="3220169"/>
+            <a:off x="4158074" y="2926382"/>
             <a:ext cx="540000" cy="540000"/>
           </a:xfrm>
           <a:prstGeom prst="ellipse">
             <a:avLst/>
           </a:prstGeom>
+          <a:solidFill>
+            <a:srgbClr val="FF0066"/>
+          </a:solidFill>
+          <a:ln>
+            <a:noFill/>
+          </a:ln>
         </p:spPr>
         <p:style>
           <a:lnRef idx="2">
@@ -3712,40 +3737,40 @@
           </a:fontRef>
         </p:style>
         <p:txBody>
-          <a:bodyPr rtlCol="0" anchor="ctr"/>
+          <a:bodyPr lIns="91429" tIns="45715" rIns="91429" bIns="45715" rtlCol="0" anchor="ctr"/>
           <a:lstStyle/>
           <a:p>
-            <a:pPr algn="ctr"/>
-            <a:r>
-              <a:rPr kumimoji="1" lang="en-US" altLang="ja-JP" dirty="0" smtClean="0"/>
+            <a:pPr algn="ctr" defTabSz="914295"/>
+            <a:r>
+              <a:rPr lang="en-US" altLang="ja-JP" dirty="0"/>
               <a:t>D</a:t>
             </a:r>
-            <a:endParaRPr kumimoji="1" lang="ja-JP" altLang="en-US" dirty="0"/>
+            <a:endParaRPr lang="ja-JP" altLang="en-US" dirty="0"/>
           </a:p>
         </p:txBody>
       </p:sp>
       <p:cxnSp>
         <p:nvCxnSpPr>
-          <p:cNvPr id="29" name="直線矢印コネクタ 28"/>
+          <p:cNvPr id="73" name="直線矢印コネクタ 72"/>
           <p:cNvCxnSpPr>
-            <a:stCxn id="28" idx="2"/>
-            <a:endCxn id="24" idx="6"/>
+            <a:stCxn id="72" idx="2"/>
+            <a:endCxn id="68" idx="6"/>
           </p:cNvCxnSpPr>
           <p:nvPr/>
         </p:nvCxnSpPr>
         <p:spPr>
           <a:xfrm flipH="1">
-            <a:off x="3743968" y="3490169"/>
+            <a:off x="3743968" y="3196382"/>
             <a:ext cx="414106" cy="0"/>
           </a:xfrm>
           <a:prstGeom prst="straightConnector1">
             <a:avLst/>
           </a:prstGeom>
-          <a:ln w="19050">
+          <a:ln w="31750">
             <a:solidFill>
               <a:schemeClr val="tx1"/>
             </a:solidFill>
-            <a:prstDash val="sysDash"/>
+            <a:prstDash val="sysDot"/>
             <a:tailEnd type="triangle" w="lg" len="med"/>
           </a:ln>
         </p:spPr>
@@ -3766,25 +3791,25 @@
       </p:cxnSp>
       <p:cxnSp>
         <p:nvCxnSpPr>
-          <p:cNvPr id="30" name="直線矢印コネクタ 29"/>
+          <p:cNvPr id="74" name="直線矢印コネクタ 73"/>
           <p:cNvCxnSpPr>
-            <a:stCxn id="31" idx="1"/>
+            <a:stCxn id="75" idx="1"/>
           </p:cNvCxnSpPr>
           <p:nvPr/>
         </p:nvCxnSpPr>
         <p:spPr>
           <a:xfrm flipH="1" flipV="1">
-            <a:off x="4057650" y="4620907"/>
+            <a:off x="4057650" y="4327120"/>
             <a:ext cx="450080" cy="504056"/>
           </a:xfrm>
           <a:prstGeom prst="straightConnector1">
             <a:avLst/>
           </a:prstGeom>
-          <a:ln w="19050">
+          <a:ln w="31750">
             <a:solidFill>
               <a:schemeClr val="tx1"/>
             </a:solidFill>
-            <a:prstDash val="sysDash"/>
+            <a:prstDash val="sysDot"/>
             <a:tailEnd type="triangle" w="lg" len="med"/>
           </a:ln>
         </p:spPr>
@@ -3805,19 +3830,20 @@
       </p:cxnSp>
       <p:sp>
         <p:nvSpPr>
-          <p:cNvPr id="31" name="正方形/長方形 30"/>
+          <p:cNvPr id="75" name="正方形/長方形 74"/>
           <p:cNvSpPr/>
           <p:nvPr/>
         </p:nvSpPr>
         <p:spPr>
           <a:xfrm>
-            <a:off x="4507730" y="4980947"/>
+            <a:off x="4507730" y="4687160"/>
             <a:ext cx="936044" cy="288032"/>
           </a:xfrm>
           <a:prstGeom prst="rect">
             <a:avLst/>
           </a:prstGeom>
           <a:ln>
+            <a:noFill/>
             <a:prstDash val="sysDash"/>
           </a:ln>
         </p:spPr>
@@ -3838,32 +3864,38 @@
           </a:fontRef>
         </p:style>
         <p:txBody>
-          <a:bodyPr rtlCol="0" anchor="ctr"/>
+          <a:bodyPr lIns="91429" tIns="45715" rIns="91429" bIns="45715" rtlCol="0" anchor="ctr"/>
           <a:lstStyle/>
           <a:p>
-            <a:pPr algn="ctr"/>
-            <a:r>
-              <a:rPr lang="en-US" altLang="ja-JP" dirty="0" err="1" smtClean="0"/>
+            <a:pPr algn="ctr" defTabSz="914295"/>
+            <a:r>
+              <a:rPr lang="en-US" altLang="ja-JP" dirty="0" err="1"/>
               <a:t>bugfix</a:t>
             </a:r>
-            <a:endParaRPr kumimoji="1" lang="ja-JP" altLang="en-US" dirty="0"/>
-          </a:p>
-        </p:txBody>
-      </p:sp>
-      <p:sp>
-        <p:nvSpPr>
-          <p:cNvPr id="32" name="円/楕円 31"/>
+            <a:endParaRPr lang="ja-JP" altLang="en-US" dirty="0"/>
+          </a:p>
+        </p:txBody>
+      </p:sp>
+      <p:sp>
+        <p:nvSpPr>
+          <p:cNvPr id="76" name="円/楕円 75"/>
           <p:cNvSpPr/>
           <p:nvPr/>
         </p:nvSpPr>
         <p:spPr>
           <a:xfrm>
-            <a:off x="2851606" y="4080907"/>
+            <a:off x="2851606" y="3787120"/>
             <a:ext cx="540000" cy="540000"/>
           </a:xfrm>
           <a:prstGeom prst="ellipse">
             <a:avLst/>
           </a:prstGeom>
+          <a:solidFill>
+            <a:srgbClr val="FF0066"/>
+          </a:solidFill>
+          <a:ln>
+            <a:noFill/>
+          </a:ln>
         </p:spPr>
         <p:style>
           <a:lnRef idx="2">
@@ -3882,39 +3914,39 @@
           </a:fontRef>
         </p:style>
         <p:txBody>
-          <a:bodyPr rtlCol="0" anchor="ctr"/>
+          <a:bodyPr lIns="91429" tIns="45715" rIns="91429" bIns="45715" rtlCol="0" anchor="ctr"/>
           <a:lstStyle/>
           <a:p>
-            <a:pPr algn="ctr"/>
-            <a:r>
-              <a:rPr kumimoji="1" lang="en-US" altLang="ja-JP" dirty="0" smtClean="0"/>
+            <a:pPr algn="ctr" defTabSz="914295"/>
+            <a:r>
+              <a:rPr lang="en-US" altLang="ja-JP" dirty="0"/>
               <a:t>X</a:t>
             </a:r>
-            <a:endParaRPr kumimoji="1" lang="ja-JP" altLang="en-US" dirty="0"/>
+            <a:endParaRPr lang="ja-JP" altLang="en-US" dirty="0"/>
           </a:p>
         </p:txBody>
       </p:sp>
       <p:cxnSp>
         <p:nvCxnSpPr>
-          <p:cNvPr id="33" name="直線矢印コネクタ 32"/>
+          <p:cNvPr id="77" name="直線矢印コネクタ 76"/>
           <p:cNvCxnSpPr>
-            <a:stCxn id="32" idx="1"/>
+            <a:stCxn id="76" idx="1"/>
           </p:cNvCxnSpPr>
           <p:nvPr/>
         </p:nvCxnSpPr>
         <p:spPr>
           <a:xfrm flipH="1" flipV="1">
-            <a:off x="2484463" y="3760169"/>
+            <a:off x="2484463" y="3466382"/>
             <a:ext cx="446224" cy="399819"/>
           </a:xfrm>
           <a:prstGeom prst="straightConnector1">
             <a:avLst/>
           </a:prstGeom>
-          <a:ln w="19050">
+          <a:ln w="31750">
             <a:solidFill>
               <a:schemeClr val="tx1"/>
             </a:solidFill>
-            <a:prstDash val="sysDash"/>
+            <a:prstDash val="sysDot"/>
             <a:tailEnd type="triangle" w="lg" len="med"/>
           </a:ln>
         </p:spPr>
@@ -3935,110 +3967,24 @@
       </p:cxnSp>
       <p:sp>
         <p:nvSpPr>
-          <p:cNvPr id="37" name="テキスト ボックス 36"/>
-          <p:cNvSpPr txBox="1"/>
+          <p:cNvPr id="78" name="円/楕円 77"/>
+          <p:cNvSpPr/>
           <p:nvPr/>
         </p:nvSpPr>
         <p:spPr>
           <a:xfrm>
-            <a:off x="267552" y="478413"/>
-            <a:ext cx="8624928" cy="923330"/>
-          </a:xfrm>
-          <a:prstGeom prst="rect">
-            <a:avLst/>
-          </a:prstGeom>
-          <a:noFill/>
-        </p:spPr>
-        <p:txBody>
-          <a:bodyPr wrap="square" rtlCol="0">
-            <a:spAutoFit/>
-          </a:bodyPr>
-          <a:lstStyle/>
-          <a:p>
-            <a:r>
-              <a:rPr kumimoji="1" lang="ja-JP" altLang="en-US" dirty="0" smtClean="0"/>
-              <a:t>初期状態。</a:t>
-            </a:r>
-            <a:endParaRPr kumimoji="1" lang="en-US" altLang="ja-JP" dirty="0" smtClean="0"/>
-          </a:p>
-          <a:p>
-            <a:r>
-              <a:rPr lang="en-US" altLang="ja-JP" dirty="0"/>
-              <a:t>m</a:t>
-            </a:r>
-            <a:r>
-              <a:rPr lang="en-US" altLang="ja-JP" dirty="0" smtClean="0"/>
-              <a:t>aster</a:t>
-            </a:r>
-            <a:r>
-              <a:rPr lang="ja-JP" altLang="en-US" dirty="0" smtClean="0"/>
-              <a:t>ブランチのコミット</a:t>
-            </a:r>
-            <a:r>
-              <a:rPr lang="en-US" altLang="ja-JP" dirty="0" smtClean="0"/>
-              <a:t>B</a:t>
-            </a:r>
-            <a:r>
-              <a:rPr lang="ja-JP" altLang="en-US" dirty="0" smtClean="0"/>
-              <a:t>を起点に</a:t>
-            </a:r>
-            <a:r>
-              <a:rPr lang="en-US" altLang="ja-JP" dirty="0" err="1"/>
-              <a:t>bugfix</a:t>
-            </a:r>
-            <a:r>
-              <a:rPr lang="ja-JP" altLang="en-US" dirty="0" smtClean="0"/>
-              <a:t>ブランチが作られた後、</a:t>
-            </a:r>
-            <a:endParaRPr kumimoji="1" lang="en-US" altLang="ja-JP" dirty="0" smtClean="0"/>
-          </a:p>
-          <a:p>
-            <a:r>
-              <a:rPr lang="en-US" altLang="ja-JP" dirty="0" err="1"/>
-              <a:t>b</a:t>
-            </a:r>
-            <a:r>
-              <a:rPr lang="en-US" altLang="ja-JP" dirty="0" err="1" smtClean="0"/>
-              <a:t>ugfix</a:t>
-            </a:r>
-            <a:r>
-              <a:rPr lang="ja-JP" altLang="en-US" dirty="0" smtClean="0"/>
-              <a:t>ブランチ</a:t>
-            </a:r>
-            <a:r>
-              <a:rPr lang="ja-JP" altLang="en-US" dirty="0"/>
-              <a:t>へ</a:t>
-            </a:r>
-            <a:r>
-              <a:rPr lang="ja-JP" altLang="en-US" dirty="0" smtClean="0"/>
-              <a:t>のコミット追加と並行して、</a:t>
-            </a:r>
-            <a:r>
-              <a:rPr lang="en-US" altLang="ja-JP" dirty="0" smtClean="0"/>
-              <a:t>master</a:t>
-            </a:r>
-            <a:r>
-              <a:rPr lang="ja-JP" altLang="en-US" dirty="0" smtClean="0"/>
-              <a:t>ブランチにもコミットが追加されている。</a:t>
-            </a:r>
-            <a:endParaRPr lang="en-US" altLang="ja-JP" dirty="0" smtClean="0"/>
-          </a:p>
-        </p:txBody>
-      </p:sp>
-      <p:sp>
-        <p:nvSpPr>
-          <p:cNvPr id="16" name="円/楕円 15"/>
-          <p:cNvSpPr/>
-          <p:nvPr/>
-        </p:nvSpPr>
-        <p:spPr>
-          <a:xfrm>
-            <a:off x="3803847" y="4080907"/>
+            <a:off x="3803847" y="3787120"/>
             <a:ext cx="540000" cy="540000"/>
           </a:xfrm>
           <a:prstGeom prst="ellipse">
             <a:avLst/>
           </a:prstGeom>
+          <a:solidFill>
+            <a:srgbClr val="FF0066"/>
+          </a:solidFill>
+          <a:ln>
+            <a:noFill/>
+          </a:ln>
         </p:spPr>
         <p:style>
           <a:lnRef idx="2">
@@ -4057,39 +4003,39 @@
           </a:fontRef>
         </p:style>
         <p:txBody>
-          <a:bodyPr rtlCol="0" anchor="ctr"/>
+          <a:bodyPr lIns="91429" tIns="45715" rIns="91429" bIns="45715" rtlCol="0" anchor="ctr"/>
           <a:lstStyle/>
           <a:p>
-            <a:pPr algn="ctr"/>
-            <a:r>
-              <a:rPr kumimoji="1" lang="en-US" altLang="ja-JP" dirty="0" smtClean="0"/>
+            <a:pPr algn="ctr" defTabSz="914295"/>
+            <a:r>
+              <a:rPr lang="en-US" altLang="ja-JP" dirty="0"/>
               <a:t>Y</a:t>
             </a:r>
-            <a:endParaRPr kumimoji="1" lang="ja-JP" altLang="en-US" dirty="0"/>
+            <a:endParaRPr lang="ja-JP" altLang="en-US" dirty="0"/>
           </a:p>
         </p:txBody>
       </p:sp>
       <p:cxnSp>
         <p:nvCxnSpPr>
-          <p:cNvPr id="17" name="直線矢印コネクタ 16"/>
+          <p:cNvPr id="79" name="直線矢印コネクタ 78"/>
           <p:cNvCxnSpPr>
-            <a:stCxn id="16" idx="2"/>
+            <a:stCxn id="78" idx="2"/>
           </p:cNvCxnSpPr>
           <p:nvPr/>
         </p:nvCxnSpPr>
         <p:spPr>
           <a:xfrm flipH="1">
-            <a:off x="3389741" y="4350907"/>
+            <a:off x="3389741" y="4057120"/>
             <a:ext cx="414106" cy="0"/>
           </a:xfrm>
           <a:prstGeom prst="straightConnector1">
             <a:avLst/>
           </a:prstGeom>
-          <a:ln w="19050">
+          <a:ln w="31750">
             <a:solidFill>
               <a:schemeClr val="tx1"/>
             </a:solidFill>
-            <a:prstDash val="sysDash"/>
+            <a:prstDash val="sysDot"/>
             <a:tailEnd type="triangle" w="lg" len="med"/>
           </a:ln>
         </p:spPr>
@@ -4108,6 +4054,482 @@
           </a:fontRef>
         </p:style>
       </p:cxnSp>
+      <p:sp>
+        <p:nvSpPr>
+          <p:cNvPr id="80" name="角丸四角形吹き出し 70"/>
+          <p:cNvSpPr/>
+          <p:nvPr/>
+        </p:nvSpPr>
+        <p:spPr>
+          <a:xfrm>
+            <a:off x="203401" y="123901"/>
+            <a:ext cx="8737200" cy="1433282"/>
+          </a:xfrm>
+          <a:custGeom>
+            <a:avLst/>
+            <a:gdLst>
+              <a:gd name="connsiteX0" fmla="*/ 0 w 8541658"/>
+              <a:gd name="connsiteY0" fmla="*/ 214817 h 1288876"/>
+              <a:gd name="connsiteX1" fmla="*/ 214817 w 8541658"/>
+              <a:gd name="connsiteY1" fmla="*/ 0 h 1288876"/>
+              <a:gd name="connsiteX2" fmla="*/ 1423610 w 8541658"/>
+              <a:gd name="connsiteY2" fmla="*/ 0 h 1288876"/>
+              <a:gd name="connsiteX3" fmla="*/ 1423610 w 8541658"/>
+              <a:gd name="connsiteY3" fmla="*/ 0 h 1288876"/>
+              <a:gd name="connsiteX4" fmla="*/ 3559024 w 8541658"/>
+              <a:gd name="connsiteY4" fmla="*/ 0 h 1288876"/>
+              <a:gd name="connsiteX5" fmla="*/ 8326841 w 8541658"/>
+              <a:gd name="connsiteY5" fmla="*/ 0 h 1288876"/>
+              <a:gd name="connsiteX6" fmla="*/ 8541658 w 8541658"/>
+              <a:gd name="connsiteY6" fmla="*/ 214817 h 1288876"/>
+              <a:gd name="connsiteX7" fmla="*/ 8541658 w 8541658"/>
+              <a:gd name="connsiteY7" fmla="*/ 751844 h 1288876"/>
+              <a:gd name="connsiteX8" fmla="*/ 8541658 w 8541658"/>
+              <a:gd name="connsiteY8" fmla="*/ 751844 h 1288876"/>
+              <a:gd name="connsiteX9" fmla="*/ 8541658 w 8541658"/>
+              <a:gd name="connsiteY9" fmla="*/ 1074063 h 1288876"/>
+              <a:gd name="connsiteX10" fmla="*/ 8541658 w 8541658"/>
+              <a:gd name="connsiteY10" fmla="*/ 1074059 h 1288876"/>
+              <a:gd name="connsiteX11" fmla="*/ 8326841 w 8541658"/>
+              <a:gd name="connsiteY11" fmla="*/ 1288876 h 1288876"/>
+              <a:gd name="connsiteX12" fmla="*/ 3559024 w 8541658"/>
+              <a:gd name="connsiteY12" fmla="*/ 1288876 h 1288876"/>
+              <a:gd name="connsiteX13" fmla="*/ 2230227 w 8541658"/>
+              <a:gd name="connsiteY13" fmla="*/ 1471381 h 1288876"/>
+              <a:gd name="connsiteX14" fmla="*/ 1423610 w 8541658"/>
+              <a:gd name="connsiteY14" fmla="*/ 1288876 h 1288876"/>
+              <a:gd name="connsiteX15" fmla="*/ 214817 w 8541658"/>
+              <a:gd name="connsiteY15" fmla="*/ 1288876 h 1288876"/>
+              <a:gd name="connsiteX16" fmla="*/ 0 w 8541658"/>
+              <a:gd name="connsiteY16" fmla="*/ 1074059 h 1288876"/>
+              <a:gd name="connsiteX17" fmla="*/ 0 w 8541658"/>
+              <a:gd name="connsiteY17" fmla="*/ 1074063 h 1288876"/>
+              <a:gd name="connsiteX18" fmla="*/ 0 w 8541658"/>
+              <a:gd name="connsiteY18" fmla="*/ 751844 h 1288876"/>
+              <a:gd name="connsiteX19" fmla="*/ 0 w 8541658"/>
+              <a:gd name="connsiteY19" fmla="*/ 751844 h 1288876"/>
+              <a:gd name="connsiteX20" fmla="*/ 0 w 8541658"/>
+              <a:gd name="connsiteY20" fmla="*/ 214817 h 1288876"/>
+              <a:gd name="connsiteX0" fmla="*/ 0 w 8541658"/>
+              <a:gd name="connsiteY0" fmla="*/ 214817 h 1471381"/>
+              <a:gd name="connsiteX1" fmla="*/ 214817 w 8541658"/>
+              <a:gd name="connsiteY1" fmla="*/ 0 h 1471381"/>
+              <a:gd name="connsiteX2" fmla="*/ 1423610 w 8541658"/>
+              <a:gd name="connsiteY2" fmla="*/ 0 h 1471381"/>
+              <a:gd name="connsiteX3" fmla="*/ 1423610 w 8541658"/>
+              <a:gd name="connsiteY3" fmla="*/ 0 h 1471381"/>
+              <a:gd name="connsiteX4" fmla="*/ 3559024 w 8541658"/>
+              <a:gd name="connsiteY4" fmla="*/ 0 h 1471381"/>
+              <a:gd name="connsiteX5" fmla="*/ 8326841 w 8541658"/>
+              <a:gd name="connsiteY5" fmla="*/ 0 h 1471381"/>
+              <a:gd name="connsiteX6" fmla="*/ 8541658 w 8541658"/>
+              <a:gd name="connsiteY6" fmla="*/ 214817 h 1471381"/>
+              <a:gd name="connsiteX7" fmla="*/ 8541658 w 8541658"/>
+              <a:gd name="connsiteY7" fmla="*/ 751844 h 1471381"/>
+              <a:gd name="connsiteX8" fmla="*/ 8541658 w 8541658"/>
+              <a:gd name="connsiteY8" fmla="*/ 751844 h 1471381"/>
+              <a:gd name="connsiteX9" fmla="*/ 8541658 w 8541658"/>
+              <a:gd name="connsiteY9" fmla="*/ 1074063 h 1471381"/>
+              <a:gd name="connsiteX10" fmla="*/ 8541658 w 8541658"/>
+              <a:gd name="connsiteY10" fmla="*/ 1074059 h 1471381"/>
+              <a:gd name="connsiteX11" fmla="*/ 8326841 w 8541658"/>
+              <a:gd name="connsiteY11" fmla="*/ 1288876 h 1471381"/>
+              <a:gd name="connsiteX12" fmla="*/ 1852144 w 8541658"/>
+              <a:gd name="connsiteY12" fmla="*/ 1288876 h 1471381"/>
+              <a:gd name="connsiteX13" fmla="*/ 2230227 w 8541658"/>
+              <a:gd name="connsiteY13" fmla="*/ 1471381 h 1471381"/>
+              <a:gd name="connsiteX14" fmla="*/ 1423610 w 8541658"/>
+              <a:gd name="connsiteY14" fmla="*/ 1288876 h 1471381"/>
+              <a:gd name="connsiteX15" fmla="*/ 214817 w 8541658"/>
+              <a:gd name="connsiteY15" fmla="*/ 1288876 h 1471381"/>
+              <a:gd name="connsiteX16" fmla="*/ 0 w 8541658"/>
+              <a:gd name="connsiteY16" fmla="*/ 1074059 h 1471381"/>
+              <a:gd name="connsiteX17" fmla="*/ 0 w 8541658"/>
+              <a:gd name="connsiteY17" fmla="*/ 1074063 h 1471381"/>
+              <a:gd name="connsiteX18" fmla="*/ 0 w 8541658"/>
+              <a:gd name="connsiteY18" fmla="*/ 751844 h 1471381"/>
+              <a:gd name="connsiteX19" fmla="*/ 0 w 8541658"/>
+              <a:gd name="connsiteY19" fmla="*/ 751844 h 1471381"/>
+              <a:gd name="connsiteX20" fmla="*/ 0 w 8541658"/>
+              <a:gd name="connsiteY20" fmla="*/ 214817 h 1471381"/>
+              <a:gd name="connsiteX0" fmla="*/ 0 w 8541658"/>
+              <a:gd name="connsiteY0" fmla="*/ 214817 h 1433281"/>
+              <a:gd name="connsiteX1" fmla="*/ 214817 w 8541658"/>
+              <a:gd name="connsiteY1" fmla="*/ 0 h 1433281"/>
+              <a:gd name="connsiteX2" fmla="*/ 1423610 w 8541658"/>
+              <a:gd name="connsiteY2" fmla="*/ 0 h 1433281"/>
+              <a:gd name="connsiteX3" fmla="*/ 1423610 w 8541658"/>
+              <a:gd name="connsiteY3" fmla="*/ 0 h 1433281"/>
+              <a:gd name="connsiteX4" fmla="*/ 3559024 w 8541658"/>
+              <a:gd name="connsiteY4" fmla="*/ 0 h 1433281"/>
+              <a:gd name="connsiteX5" fmla="*/ 8326841 w 8541658"/>
+              <a:gd name="connsiteY5" fmla="*/ 0 h 1433281"/>
+              <a:gd name="connsiteX6" fmla="*/ 8541658 w 8541658"/>
+              <a:gd name="connsiteY6" fmla="*/ 214817 h 1433281"/>
+              <a:gd name="connsiteX7" fmla="*/ 8541658 w 8541658"/>
+              <a:gd name="connsiteY7" fmla="*/ 751844 h 1433281"/>
+              <a:gd name="connsiteX8" fmla="*/ 8541658 w 8541658"/>
+              <a:gd name="connsiteY8" fmla="*/ 751844 h 1433281"/>
+              <a:gd name="connsiteX9" fmla="*/ 8541658 w 8541658"/>
+              <a:gd name="connsiteY9" fmla="*/ 1074063 h 1433281"/>
+              <a:gd name="connsiteX10" fmla="*/ 8541658 w 8541658"/>
+              <a:gd name="connsiteY10" fmla="*/ 1074059 h 1433281"/>
+              <a:gd name="connsiteX11" fmla="*/ 8326841 w 8541658"/>
+              <a:gd name="connsiteY11" fmla="*/ 1288876 h 1433281"/>
+              <a:gd name="connsiteX12" fmla="*/ 1852144 w 8541658"/>
+              <a:gd name="connsiteY12" fmla="*/ 1288876 h 1433281"/>
+              <a:gd name="connsiteX13" fmla="*/ 1864467 w 8541658"/>
+              <a:gd name="connsiteY13" fmla="*/ 1433281 h 1433281"/>
+              <a:gd name="connsiteX14" fmla="*/ 1423610 w 8541658"/>
+              <a:gd name="connsiteY14" fmla="*/ 1288876 h 1433281"/>
+              <a:gd name="connsiteX15" fmla="*/ 214817 w 8541658"/>
+              <a:gd name="connsiteY15" fmla="*/ 1288876 h 1433281"/>
+              <a:gd name="connsiteX16" fmla="*/ 0 w 8541658"/>
+              <a:gd name="connsiteY16" fmla="*/ 1074059 h 1433281"/>
+              <a:gd name="connsiteX17" fmla="*/ 0 w 8541658"/>
+              <a:gd name="connsiteY17" fmla="*/ 1074063 h 1433281"/>
+              <a:gd name="connsiteX18" fmla="*/ 0 w 8541658"/>
+              <a:gd name="connsiteY18" fmla="*/ 751844 h 1433281"/>
+              <a:gd name="connsiteX19" fmla="*/ 0 w 8541658"/>
+              <a:gd name="connsiteY19" fmla="*/ 751844 h 1433281"/>
+              <a:gd name="connsiteX20" fmla="*/ 0 w 8541658"/>
+              <a:gd name="connsiteY20" fmla="*/ 214817 h 1433281"/>
+            </a:gdLst>
+            <a:ahLst/>
+            <a:cxnLst>
+              <a:cxn ang="0">
+                <a:pos x="connsiteX0" y="connsiteY0"/>
+              </a:cxn>
+              <a:cxn ang="0">
+                <a:pos x="connsiteX1" y="connsiteY1"/>
+              </a:cxn>
+              <a:cxn ang="0">
+                <a:pos x="connsiteX2" y="connsiteY2"/>
+              </a:cxn>
+              <a:cxn ang="0">
+                <a:pos x="connsiteX3" y="connsiteY3"/>
+              </a:cxn>
+              <a:cxn ang="0">
+                <a:pos x="connsiteX4" y="connsiteY4"/>
+              </a:cxn>
+              <a:cxn ang="0">
+                <a:pos x="connsiteX5" y="connsiteY5"/>
+              </a:cxn>
+              <a:cxn ang="0">
+                <a:pos x="connsiteX6" y="connsiteY6"/>
+              </a:cxn>
+              <a:cxn ang="0">
+                <a:pos x="connsiteX7" y="connsiteY7"/>
+              </a:cxn>
+              <a:cxn ang="0">
+                <a:pos x="connsiteX8" y="connsiteY8"/>
+              </a:cxn>
+              <a:cxn ang="0">
+                <a:pos x="connsiteX9" y="connsiteY9"/>
+              </a:cxn>
+              <a:cxn ang="0">
+                <a:pos x="connsiteX10" y="connsiteY10"/>
+              </a:cxn>
+              <a:cxn ang="0">
+                <a:pos x="connsiteX11" y="connsiteY11"/>
+              </a:cxn>
+              <a:cxn ang="0">
+                <a:pos x="connsiteX12" y="connsiteY12"/>
+              </a:cxn>
+              <a:cxn ang="0">
+                <a:pos x="connsiteX13" y="connsiteY13"/>
+              </a:cxn>
+              <a:cxn ang="0">
+                <a:pos x="connsiteX14" y="connsiteY14"/>
+              </a:cxn>
+              <a:cxn ang="0">
+                <a:pos x="connsiteX15" y="connsiteY15"/>
+              </a:cxn>
+              <a:cxn ang="0">
+                <a:pos x="connsiteX16" y="connsiteY16"/>
+              </a:cxn>
+              <a:cxn ang="0">
+                <a:pos x="connsiteX17" y="connsiteY17"/>
+              </a:cxn>
+              <a:cxn ang="0">
+                <a:pos x="connsiteX18" y="connsiteY18"/>
+              </a:cxn>
+              <a:cxn ang="0">
+                <a:pos x="connsiteX19" y="connsiteY19"/>
+              </a:cxn>
+              <a:cxn ang="0">
+                <a:pos x="connsiteX20" y="connsiteY20"/>
+              </a:cxn>
+            </a:cxnLst>
+            <a:rect l="l" t="t" r="r" b="b"/>
+            <a:pathLst>
+              <a:path w="8541658" h="1433281">
+                <a:moveTo>
+                  <a:pt x="0" y="214817"/>
+                </a:moveTo>
+                <a:cubicBezTo>
+                  <a:pt x="0" y="96177"/>
+                  <a:pt x="96177" y="0"/>
+                  <a:pt x="214817" y="0"/>
+                </a:cubicBezTo>
+                <a:lnTo>
+                  <a:pt x="1423610" y="0"/>
+                </a:lnTo>
+                <a:lnTo>
+                  <a:pt x="1423610" y="0"/>
+                </a:lnTo>
+                <a:lnTo>
+                  <a:pt x="3559024" y="0"/>
+                </a:lnTo>
+                <a:lnTo>
+                  <a:pt x="8326841" y="0"/>
+                </a:lnTo>
+                <a:cubicBezTo>
+                  <a:pt x="8445481" y="0"/>
+                  <a:pt x="8541658" y="96177"/>
+                  <a:pt x="8541658" y="214817"/>
+                </a:cubicBezTo>
+                <a:lnTo>
+                  <a:pt x="8541658" y="751844"/>
+                </a:lnTo>
+                <a:lnTo>
+                  <a:pt x="8541658" y="751844"/>
+                </a:lnTo>
+                <a:lnTo>
+                  <a:pt x="8541658" y="1074063"/>
+                </a:lnTo>
+                <a:lnTo>
+                  <a:pt x="8541658" y="1074059"/>
+                </a:lnTo>
+                <a:cubicBezTo>
+                  <a:pt x="8541658" y="1192699"/>
+                  <a:pt x="8445481" y="1288876"/>
+                  <a:pt x="8326841" y="1288876"/>
+                </a:cubicBezTo>
+                <a:lnTo>
+                  <a:pt x="1852144" y="1288876"/>
+                </a:lnTo>
+                <a:lnTo>
+                  <a:pt x="1864467" y="1433281"/>
+                </a:lnTo>
+                <a:lnTo>
+                  <a:pt x="1423610" y="1288876"/>
+                </a:lnTo>
+                <a:lnTo>
+                  <a:pt x="214817" y="1288876"/>
+                </a:lnTo>
+                <a:cubicBezTo>
+                  <a:pt x="96177" y="1288876"/>
+                  <a:pt x="0" y="1192699"/>
+                  <a:pt x="0" y="1074059"/>
+                </a:cubicBezTo>
+                <a:lnTo>
+                  <a:pt x="0" y="1074063"/>
+                </a:lnTo>
+                <a:lnTo>
+                  <a:pt x="0" y="751844"/>
+                </a:lnTo>
+                <a:lnTo>
+                  <a:pt x="0" y="751844"/>
+                </a:lnTo>
+                <a:lnTo>
+                  <a:pt x="0" y="214817"/>
+                </a:lnTo>
+                <a:close/>
+              </a:path>
+            </a:pathLst>
+          </a:custGeom>
+          <a:solidFill>
+            <a:srgbClr val="03C924"/>
+          </a:solidFill>
+          <a:ln>
+            <a:noFill/>
+          </a:ln>
+        </p:spPr>
+        <p:style>
+          <a:lnRef idx="2">
+            <a:schemeClr val="accent1">
+              <a:shade val="50000"/>
+            </a:schemeClr>
+          </a:lnRef>
+          <a:fillRef idx="1">
+            <a:schemeClr val="accent1"/>
+          </a:fillRef>
+          <a:effectRef idx="0">
+            <a:schemeClr val="accent1"/>
+          </a:effectRef>
+          <a:fontRef idx="minor">
+            <a:schemeClr val="lt1"/>
+          </a:fontRef>
+        </p:style>
+        <p:txBody>
+          <a:bodyPr lIns="143983" tIns="143983" rIns="143983" bIns="0" rtlCol="0" anchor="ctr"/>
+          <a:lstStyle/>
+          <a:p>
+            <a:r>
+              <a:rPr lang="ja-JP" altLang="en-US" b="1" dirty="0">
+                <a:ea typeface="ＭＳ ゴシック" panose="020B0609070205080204" pitchFamily="49" charset="-128"/>
+              </a:rPr>
+              <a:t>初期状態。</a:t>
+            </a:r>
+          </a:p>
+          <a:p>
+            <a:r>
+              <a:rPr lang="en-US" altLang="ja-JP" b="1" dirty="0">
+                <a:ea typeface="ＭＳ ゴシック" panose="020B0609070205080204" pitchFamily="49" charset="-128"/>
+              </a:rPr>
+              <a:t>m</a:t>
+            </a:r>
+            <a:r>
+              <a:rPr lang="en-US" altLang="ja-JP" b="1" dirty="0" smtClean="0">
+                <a:ea typeface="ＭＳ ゴシック" panose="020B0609070205080204" pitchFamily="49" charset="-128"/>
+              </a:rPr>
+              <a:t>aster </a:t>
+            </a:r>
+            <a:r>
+              <a:rPr lang="ja-JP" altLang="en-US" b="1" dirty="0" smtClean="0">
+                <a:ea typeface="ＭＳ ゴシック" panose="020B0609070205080204" pitchFamily="49" charset="-128"/>
+              </a:rPr>
+              <a:t>ブランチ</a:t>
+            </a:r>
+            <a:r>
+              <a:rPr lang="ja-JP" altLang="en-US" b="1" dirty="0">
+                <a:ea typeface="ＭＳ ゴシック" panose="020B0609070205080204" pitchFamily="49" charset="-128"/>
+              </a:rPr>
+              <a:t>の</a:t>
+            </a:r>
+            <a:r>
+              <a:rPr lang="ja-JP" altLang="en-US" b="1" dirty="0" smtClean="0">
+                <a:ea typeface="ＭＳ ゴシック" panose="020B0609070205080204" pitchFamily="49" charset="-128"/>
+              </a:rPr>
+              <a:t>コミット </a:t>
+            </a:r>
+            <a:r>
+              <a:rPr lang="en-US" altLang="ja-JP" b="1" dirty="0" smtClean="0">
+                <a:ea typeface="ＭＳ ゴシック" panose="020B0609070205080204" pitchFamily="49" charset="-128"/>
+              </a:rPr>
+              <a:t>B </a:t>
+            </a:r>
+            <a:r>
+              <a:rPr lang="ja-JP" altLang="en-US" b="1" dirty="0" smtClean="0">
+                <a:ea typeface="ＭＳ ゴシック" panose="020B0609070205080204" pitchFamily="49" charset="-128"/>
+              </a:rPr>
+              <a:t>を</a:t>
+            </a:r>
+            <a:r>
+              <a:rPr lang="ja-JP" altLang="en-US" b="1" dirty="0">
+                <a:ea typeface="ＭＳ ゴシック" panose="020B0609070205080204" pitchFamily="49" charset="-128"/>
+              </a:rPr>
+              <a:t>起点</a:t>
+            </a:r>
+            <a:r>
+              <a:rPr lang="ja-JP" altLang="en-US" b="1" dirty="0" smtClean="0">
+                <a:ea typeface="ＭＳ ゴシック" panose="020B0609070205080204" pitchFamily="49" charset="-128"/>
+              </a:rPr>
+              <a:t>に </a:t>
+            </a:r>
+            <a:r>
+              <a:rPr lang="en-US" altLang="ja-JP" b="1" dirty="0" err="1" smtClean="0">
+                <a:ea typeface="ＭＳ ゴシック" panose="020B0609070205080204" pitchFamily="49" charset="-128"/>
+              </a:rPr>
+              <a:t>bugfix</a:t>
+            </a:r>
+            <a:r>
+              <a:rPr lang="en-US" altLang="ja-JP" b="1" dirty="0" smtClean="0">
+                <a:ea typeface="ＭＳ ゴシック" panose="020B0609070205080204" pitchFamily="49" charset="-128"/>
+              </a:rPr>
+              <a:t> </a:t>
+            </a:r>
+            <a:r>
+              <a:rPr lang="ja-JP" altLang="en-US" b="1" dirty="0" smtClean="0">
+                <a:ea typeface="ＭＳ ゴシック" panose="020B0609070205080204" pitchFamily="49" charset="-128"/>
+              </a:rPr>
+              <a:t>ブランチ</a:t>
+            </a:r>
+            <a:r>
+              <a:rPr lang="ja-JP" altLang="en-US" b="1" dirty="0">
+                <a:ea typeface="ＭＳ ゴシック" panose="020B0609070205080204" pitchFamily="49" charset="-128"/>
+              </a:rPr>
+              <a:t>が作られた後、</a:t>
+            </a:r>
+          </a:p>
+          <a:p>
+            <a:r>
+              <a:rPr lang="en-US" altLang="ja-JP" b="1" dirty="0" err="1">
+                <a:ea typeface="ＭＳ ゴシック" panose="020B0609070205080204" pitchFamily="49" charset="-128"/>
+              </a:rPr>
+              <a:t>b</a:t>
+            </a:r>
+            <a:r>
+              <a:rPr lang="en-US" altLang="ja-JP" b="1" dirty="0" err="1" smtClean="0">
+                <a:ea typeface="ＭＳ ゴシック" panose="020B0609070205080204" pitchFamily="49" charset="-128"/>
+              </a:rPr>
+              <a:t>ugfix</a:t>
+            </a:r>
+            <a:r>
+              <a:rPr lang="en-US" altLang="ja-JP" b="1" dirty="0" smtClean="0">
+                <a:ea typeface="ＭＳ ゴシック" panose="020B0609070205080204" pitchFamily="49" charset="-128"/>
+              </a:rPr>
+              <a:t> </a:t>
+            </a:r>
+            <a:r>
+              <a:rPr lang="ja-JP" altLang="en-US" b="1" dirty="0" smtClean="0">
+                <a:ea typeface="ＭＳ ゴシック" panose="020B0609070205080204" pitchFamily="49" charset="-128"/>
+              </a:rPr>
+              <a:t>ブランチ</a:t>
+            </a:r>
+            <a:r>
+              <a:rPr lang="ja-JP" altLang="en-US" b="1" dirty="0">
+                <a:ea typeface="ＭＳ ゴシック" panose="020B0609070205080204" pitchFamily="49" charset="-128"/>
+              </a:rPr>
+              <a:t>へのコミット追加と並行して</a:t>
+            </a:r>
+            <a:r>
+              <a:rPr lang="ja-JP" altLang="en-US" b="1" dirty="0" smtClean="0">
+                <a:ea typeface="ＭＳ ゴシック" panose="020B0609070205080204" pitchFamily="49" charset="-128"/>
+              </a:rPr>
+              <a:t>、</a:t>
+            </a:r>
+            <a:endParaRPr lang="en-US" altLang="ja-JP" b="1" smtClean="0">
+              <a:ea typeface="ＭＳ ゴシック" panose="020B0609070205080204" pitchFamily="49" charset="-128"/>
+            </a:endParaRPr>
+          </a:p>
+          <a:p>
+            <a:r>
+              <a:rPr lang="en-US" altLang="ja-JP" b="1" smtClean="0">
+                <a:ea typeface="ＭＳ ゴシック" panose="020B0609070205080204" pitchFamily="49" charset="-128"/>
+              </a:rPr>
+              <a:t>master </a:t>
+            </a:r>
+            <a:r>
+              <a:rPr lang="ja-JP" altLang="en-US" b="1" dirty="0" smtClean="0">
+                <a:ea typeface="ＭＳ ゴシック" panose="020B0609070205080204" pitchFamily="49" charset="-128"/>
+              </a:rPr>
+              <a:t>ブランチ</a:t>
+            </a:r>
+            <a:r>
+              <a:rPr lang="ja-JP" altLang="en-US" b="1" dirty="0">
+                <a:ea typeface="ＭＳ ゴシック" panose="020B0609070205080204" pitchFamily="49" charset="-128"/>
+              </a:rPr>
+              <a:t>にもコミットが追加されている</a:t>
+            </a:r>
+            <a:r>
+              <a:rPr lang="ja-JP" altLang="en-US" b="1" dirty="0" smtClean="0">
+                <a:ea typeface="ＭＳ ゴシック" panose="020B0609070205080204" pitchFamily="49" charset="-128"/>
+              </a:rPr>
+              <a:t>。</a:t>
+            </a:r>
+            <a:endParaRPr lang="en-US" altLang="ja-JP" b="1" dirty="0" smtClean="0">
+              <a:ea typeface="ＭＳ ゴシック" panose="020B0609070205080204" pitchFamily="49" charset="-128"/>
+            </a:endParaRPr>
+          </a:p>
+          <a:p>
+            <a:endParaRPr lang="ja-JP" altLang="en-US" b="1" dirty="0">
+              <a:ea typeface="ＭＳ ゴシック" panose="020B0609070205080204" pitchFamily="49" charset="-128"/>
+            </a:endParaRPr>
+          </a:p>
+        </p:txBody>
+      </p:sp>
     </p:spTree>
     <p:extLst>
       <p:ext uri="{BB962C8B-B14F-4D97-AF65-F5344CB8AC3E}">
@@ -4140,18 +4562,24 @@
       </p:grpSpPr>
       <p:sp>
         <p:nvSpPr>
-          <p:cNvPr id="21" name="円/楕円 20"/>
+          <p:cNvPr id="19" name="円/楕円 18"/>
           <p:cNvSpPr/>
           <p:nvPr/>
         </p:nvSpPr>
         <p:spPr>
           <a:xfrm>
-            <a:off x="1259632" y="3220169"/>
+            <a:off x="1259632" y="2926382"/>
             <a:ext cx="540000" cy="540000"/>
           </a:xfrm>
           <a:prstGeom prst="ellipse">
             <a:avLst/>
           </a:prstGeom>
+          <a:solidFill>
+            <a:srgbClr val="FF0066"/>
+          </a:solidFill>
+          <a:ln>
+            <a:noFill/>
+          </a:ln>
         </p:spPr>
         <p:style>
           <a:lnRef idx="2">
@@ -4170,40 +4598,40 @@
           </a:fontRef>
         </p:style>
         <p:txBody>
-          <a:bodyPr rtlCol="0" anchor="ctr"/>
+          <a:bodyPr lIns="91429" tIns="45715" rIns="91429" bIns="45715" rtlCol="0" anchor="ctr"/>
           <a:lstStyle/>
           <a:p>
-            <a:pPr algn="ctr"/>
-            <a:r>
-              <a:rPr kumimoji="1" lang="en-US" altLang="ja-JP" dirty="0" smtClean="0"/>
+            <a:pPr algn="ctr" defTabSz="914295"/>
+            <a:r>
+              <a:rPr lang="en-US" altLang="ja-JP" dirty="0"/>
               <a:t>A</a:t>
             </a:r>
-            <a:endParaRPr kumimoji="1" lang="ja-JP" altLang="en-US" dirty="0"/>
+            <a:endParaRPr lang="ja-JP" altLang="en-US" dirty="0"/>
           </a:p>
         </p:txBody>
       </p:sp>
       <p:cxnSp>
         <p:nvCxnSpPr>
-          <p:cNvPr id="22" name="直線矢印コネクタ 21"/>
+          <p:cNvPr id="20" name="直線矢印コネクタ 19"/>
           <p:cNvCxnSpPr>
-            <a:stCxn id="23" idx="2"/>
-            <a:endCxn id="21" idx="6"/>
+            <a:stCxn id="34" idx="2"/>
+            <a:endCxn id="19" idx="6"/>
           </p:cNvCxnSpPr>
           <p:nvPr/>
         </p:nvCxnSpPr>
         <p:spPr>
           <a:xfrm flipH="1">
-            <a:off x="1799632" y="3490169"/>
+            <a:off x="1799632" y="3196382"/>
             <a:ext cx="432168" cy="0"/>
           </a:xfrm>
           <a:prstGeom prst="straightConnector1">
             <a:avLst/>
           </a:prstGeom>
-          <a:ln w="19050">
+          <a:ln w="31750">
             <a:solidFill>
               <a:schemeClr val="tx1"/>
             </a:solidFill>
-            <a:prstDash val="sysDash"/>
+            <a:prstDash val="sysDot"/>
             <a:tailEnd type="triangle" w="lg" len="med"/>
           </a:ln>
         </p:spPr>
@@ -4224,18 +4652,24 @@
       </p:cxnSp>
       <p:sp>
         <p:nvSpPr>
-          <p:cNvPr id="23" name="円/楕円 22"/>
+          <p:cNvPr id="34" name="円/楕円 33"/>
           <p:cNvSpPr/>
           <p:nvPr/>
         </p:nvSpPr>
         <p:spPr>
           <a:xfrm>
-            <a:off x="2231800" y="3220169"/>
+            <a:off x="2231800" y="2926382"/>
             <a:ext cx="540000" cy="540000"/>
           </a:xfrm>
           <a:prstGeom prst="ellipse">
             <a:avLst/>
           </a:prstGeom>
+          <a:solidFill>
+            <a:srgbClr val="FF0066"/>
+          </a:solidFill>
+          <a:ln>
+            <a:noFill/>
+          </a:ln>
         </p:spPr>
         <p:style>
           <a:lnRef idx="2">
@@ -4254,32 +4688,38 @@
           </a:fontRef>
         </p:style>
         <p:txBody>
-          <a:bodyPr rtlCol="0" anchor="ctr"/>
+          <a:bodyPr lIns="91429" tIns="45715" rIns="91429" bIns="45715" rtlCol="0" anchor="ctr"/>
           <a:lstStyle/>
           <a:p>
-            <a:pPr algn="ctr"/>
-            <a:r>
-              <a:rPr kumimoji="1" lang="en-US" altLang="ja-JP" dirty="0" smtClean="0"/>
+            <a:pPr algn="ctr" defTabSz="914295"/>
+            <a:r>
+              <a:rPr lang="en-US" altLang="ja-JP" dirty="0"/>
               <a:t>B</a:t>
             </a:r>
-            <a:endParaRPr kumimoji="1" lang="ja-JP" altLang="en-US" dirty="0"/>
-          </a:p>
-        </p:txBody>
-      </p:sp>
-      <p:sp>
-        <p:nvSpPr>
-          <p:cNvPr id="24" name="円/楕円 23"/>
+            <a:endParaRPr lang="ja-JP" altLang="en-US" dirty="0"/>
+          </a:p>
+        </p:txBody>
+      </p:sp>
+      <p:sp>
+        <p:nvSpPr>
+          <p:cNvPr id="35" name="円/楕円 34"/>
           <p:cNvSpPr/>
           <p:nvPr/>
         </p:nvSpPr>
         <p:spPr>
           <a:xfrm>
-            <a:off x="3203968" y="3220169"/>
+            <a:off x="3203968" y="2926382"/>
             <a:ext cx="540000" cy="540000"/>
           </a:xfrm>
           <a:prstGeom prst="ellipse">
             <a:avLst/>
           </a:prstGeom>
+          <a:solidFill>
+            <a:srgbClr val="FF0066"/>
+          </a:solidFill>
+          <a:ln>
+            <a:noFill/>
+          </a:ln>
         </p:spPr>
         <p:style>
           <a:lnRef idx="2">
@@ -4298,40 +4738,40 @@
           </a:fontRef>
         </p:style>
         <p:txBody>
-          <a:bodyPr rtlCol="0" anchor="ctr"/>
+          <a:bodyPr lIns="91429" tIns="45715" rIns="91429" bIns="45715" rtlCol="0" anchor="ctr"/>
           <a:lstStyle/>
           <a:p>
-            <a:pPr algn="ctr"/>
-            <a:r>
-              <a:rPr kumimoji="1" lang="en-US" altLang="ja-JP" dirty="0" smtClean="0"/>
+            <a:pPr algn="ctr" defTabSz="914295"/>
+            <a:r>
+              <a:rPr lang="en-US" altLang="ja-JP" dirty="0"/>
               <a:t>C</a:t>
             </a:r>
-            <a:endParaRPr kumimoji="1" lang="ja-JP" altLang="en-US" dirty="0"/>
+            <a:endParaRPr lang="ja-JP" altLang="en-US" dirty="0"/>
           </a:p>
         </p:txBody>
       </p:sp>
       <p:cxnSp>
         <p:nvCxnSpPr>
-          <p:cNvPr id="25" name="直線矢印コネクタ 24"/>
+          <p:cNvPr id="36" name="直線矢印コネクタ 35"/>
           <p:cNvCxnSpPr>
-            <a:stCxn id="24" idx="2"/>
-            <a:endCxn id="23" idx="6"/>
+            <a:stCxn id="35" idx="2"/>
+            <a:endCxn id="34" idx="6"/>
           </p:cNvCxnSpPr>
           <p:nvPr/>
         </p:nvCxnSpPr>
         <p:spPr>
           <a:xfrm flipH="1">
-            <a:off x="2771800" y="3490169"/>
+            <a:off x="2771800" y="3196382"/>
             <a:ext cx="432168" cy="0"/>
           </a:xfrm>
           <a:prstGeom prst="straightConnector1">
             <a:avLst/>
           </a:prstGeom>
-          <a:ln w="19050">
+          <a:ln w="31750">
             <a:solidFill>
               <a:schemeClr val="tx1"/>
             </a:solidFill>
-            <a:prstDash val="sysDash"/>
+            <a:prstDash val="sysDot"/>
             <a:tailEnd type="triangle" w="lg" len="med"/>
           </a:ln>
         </p:spPr>
@@ -4352,23 +4792,23 @@
       </p:cxnSp>
       <p:cxnSp>
         <p:nvCxnSpPr>
-          <p:cNvPr id="26" name="直線矢印コネクタ 25"/>
+          <p:cNvPr id="38" name="直線矢印コネクタ 37"/>
           <p:cNvCxnSpPr/>
           <p:nvPr/>
         </p:nvCxnSpPr>
         <p:spPr>
           <a:xfrm flipH="1">
-            <a:off x="4444048" y="2714675"/>
+            <a:off x="4444048" y="2420888"/>
             <a:ext cx="428406" cy="505494"/>
           </a:xfrm>
           <a:prstGeom prst="straightConnector1">
             <a:avLst/>
           </a:prstGeom>
-          <a:ln w="19050">
+          <a:ln w="31750">
             <a:solidFill>
               <a:schemeClr val="tx1"/>
             </a:solidFill>
-            <a:prstDash val="sysDash"/>
+            <a:prstDash val="sysDot"/>
             <a:tailEnd type="triangle" w="lg" len="med"/>
           </a:ln>
         </p:spPr>
@@ -4389,19 +4829,20 @@
       </p:cxnSp>
       <p:sp>
         <p:nvSpPr>
-          <p:cNvPr id="27" name="正方形/長方形 26"/>
+          <p:cNvPr id="39" name="正方形/長方形 38"/>
           <p:cNvSpPr/>
           <p:nvPr/>
         </p:nvSpPr>
         <p:spPr>
           <a:xfrm>
-            <a:off x="4872454" y="2426643"/>
+            <a:off x="4872454" y="2132856"/>
             <a:ext cx="936044" cy="288032"/>
           </a:xfrm>
           <a:prstGeom prst="rect">
             <a:avLst/>
           </a:prstGeom>
           <a:ln>
+            <a:noFill/>
             <a:prstDash val="sysDash"/>
           </a:ln>
         </p:spPr>
@@ -4422,32 +4863,38 @@
           </a:fontRef>
         </p:style>
         <p:txBody>
-          <a:bodyPr rtlCol="0" anchor="ctr"/>
+          <a:bodyPr lIns="91429" tIns="45715" rIns="91429" bIns="45715" rtlCol="0" anchor="ctr"/>
           <a:lstStyle/>
           <a:p>
-            <a:pPr algn="ctr"/>
-            <a:r>
-              <a:rPr kumimoji="1" lang="en-US" altLang="ja-JP" dirty="0" smtClean="0"/>
+            <a:pPr algn="ctr" defTabSz="914295"/>
+            <a:r>
+              <a:rPr lang="en-US" altLang="ja-JP" dirty="0"/>
               <a:t>master</a:t>
             </a:r>
-            <a:endParaRPr kumimoji="1" lang="ja-JP" altLang="en-US" dirty="0"/>
-          </a:p>
-        </p:txBody>
-      </p:sp>
-      <p:sp>
-        <p:nvSpPr>
-          <p:cNvPr id="28" name="円/楕円 27"/>
+            <a:endParaRPr lang="ja-JP" altLang="en-US" dirty="0"/>
+          </a:p>
+        </p:txBody>
+      </p:sp>
+      <p:sp>
+        <p:nvSpPr>
+          <p:cNvPr id="40" name="円/楕円 39"/>
           <p:cNvSpPr/>
           <p:nvPr/>
         </p:nvSpPr>
         <p:spPr>
           <a:xfrm>
-            <a:off x="4158074" y="3220169"/>
+            <a:off x="4158074" y="2926382"/>
             <a:ext cx="540000" cy="540000"/>
           </a:xfrm>
           <a:prstGeom prst="ellipse">
             <a:avLst/>
           </a:prstGeom>
+          <a:solidFill>
+            <a:srgbClr val="FF0066"/>
+          </a:solidFill>
+          <a:ln>
+            <a:noFill/>
+          </a:ln>
         </p:spPr>
         <p:style>
           <a:lnRef idx="2">
@@ -4466,40 +4913,40 @@
           </a:fontRef>
         </p:style>
         <p:txBody>
-          <a:bodyPr rtlCol="0" anchor="ctr"/>
+          <a:bodyPr lIns="91429" tIns="45715" rIns="91429" bIns="45715" rtlCol="0" anchor="ctr"/>
           <a:lstStyle/>
           <a:p>
-            <a:pPr algn="ctr"/>
-            <a:r>
-              <a:rPr kumimoji="1" lang="en-US" altLang="ja-JP" dirty="0" smtClean="0"/>
+            <a:pPr algn="ctr" defTabSz="914295"/>
+            <a:r>
+              <a:rPr lang="en-US" altLang="ja-JP" dirty="0"/>
               <a:t>D</a:t>
             </a:r>
-            <a:endParaRPr kumimoji="1" lang="ja-JP" altLang="en-US" dirty="0"/>
+            <a:endParaRPr lang="ja-JP" altLang="en-US" dirty="0"/>
           </a:p>
         </p:txBody>
       </p:sp>
       <p:cxnSp>
         <p:nvCxnSpPr>
-          <p:cNvPr id="29" name="直線矢印コネクタ 28"/>
+          <p:cNvPr id="41" name="直線矢印コネクタ 40"/>
           <p:cNvCxnSpPr>
-            <a:stCxn id="28" idx="2"/>
-            <a:endCxn id="24" idx="6"/>
+            <a:stCxn id="40" idx="2"/>
+            <a:endCxn id="35" idx="6"/>
           </p:cNvCxnSpPr>
           <p:nvPr/>
         </p:nvCxnSpPr>
         <p:spPr>
           <a:xfrm flipH="1">
-            <a:off x="3743968" y="3490169"/>
+            <a:off x="3743968" y="3196382"/>
             <a:ext cx="414106" cy="0"/>
           </a:xfrm>
           <a:prstGeom prst="straightConnector1">
             <a:avLst/>
           </a:prstGeom>
-          <a:ln w="19050">
+          <a:ln w="31750">
             <a:solidFill>
               <a:schemeClr val="tx1"/>
             </a:solidFill>
-            <a:prstDash val="sysDash"/>
+            <a:prstDash val="sysDot"/>
             <a:tailEnd type="triangle" w="lg" len="med"/>
           </a:ln>
         </p:spPr>
@@ -4520,25 +4967,25 @@
       </p:cxnSp>
       <p:cxnSp>
         <p:nvCxnSpPr>
-          <p:cNvPr id="30" name="直線矢印コネクタ 29"/>
+          <p:cNvPr id="42" name="直線矢印コネクタ 41"/>
           <p:cNvCxnSpPr>
-            <a:stCxn id="31" idx="1"/>
+            <a:stCxn id="43" idx="1"/>
           </p:cNvCxnSpPr>
           <p:nvPr/>
         </p:nvCxnSpPr>
         <p:spPr>
           <a:xfrm flipH="1" flipV="1">
-            <a:off x="6023219" y="4620907"/>
+            <a:off x="6023219" y="4327120"/>
             <a:ext cx="450080" cy="504056"/>
           </a:xfrm>
           <a:prstGeom prst="straightConnector1">
             <a:avLst/>
           </a:prstGeom>
-          <a:ln w="19050">
+          <a:ln w="31750">
             <a:solidFill>
               <a:schemeClr val="tx1"/>
             </a:solidFill>
-            <a:prstDash val="sysDash"/>
+            <a:prstDash val="sysDot"/>
             <a:tailEnd type="triangle" w="lg" len="med"/>
           </a:ln>
         </p:spPr>
@@ -4559,19 +5006,20 @@
       </p:cxnSp>
       <p:sp>
         <p:nvSpPr>
-          <p:cNvPr id="31" name="正方形/長方形 30"/>
+          <p:cNvPr id="43" name="正方形/長方形 42"/>
           <p:cNvSpPr/>
           <p:nvPr/>
         </p:nvSpPr>
         <p:spPr>
           <a:xfrm>
-            <a:off x="6473299" y="4980947"/>
+            <a:off x="6473299" y="4687160"/>
             <a:ext cx="936044" cy="288032"/>
           </a:xfrm>
           <a:prstGeom prst="rect">
             <a:avLst/>
           </a:prstGeom>
           <a:ln>
+            <a:noFill/>
             <a:prstDash val="sysDash"/>
           </a:ln>
         </p:spPr>
@@ -4592,32 +5040,38 @@
           </a:fontRef>
         </p:style>
         <p:txBody>
-          <a:bodyPr rtlCol="0" anchor="ctr"/>
+          <a:bodyPr lIns="91429" tIns="45715" rIns="91429" bIns="45715" rtlCol="0" anchor="ctr"/>
           <a:lstStyle/>
           <a:p>
-            <a:pPr algn="ctr"/>
-            <a:r>
-              <a:rPr lang="en-US" altLang="ja-JP" dirty="0" err="1" smtClean="0"/>
+            <a:pPr algn="ctr" defTabSz="914295"/>
+            <a:r>
+              <a:rPr lang="en-US" altLang="ja-JP" dirty="0" err="1"/>
               <a:t>bugfix</a:t>
             </a:r>
-            <a:endParaRPr kumimoji="1" lang="ja-JP" altLang="en-US" dirty="0"/>
-          </a:p>
-        </p:txBody>
-      </p:sp>
-      <p:sp>
-        <p:nvSpPr>
-          <p:cNvPr id="32" name="円/楕円 31"/>
+            <a:endParaRPr lang="ja-JP" altLang="en-US" dirty="0"/>
+          </a:p>
+        </p:txBody>
+      </p:sp>
+      <p:sp>
+        <p:nvSpPr>
+          <p:cNvPr id="44" name="円/楕円 43"/>
           <p:cNvSpPr/>
           <p:nvPr/>
         </p:nvSpPr>
         <p:spPr>
           <a:xfrm>
-            <a:off x="4817175" y="4080907"/>
+            <a:off x="4817175" y="3787120"/>
             <a:ext cx="540000" cy="540000"/>
           </a:xfrm>
           <a:prstGeom prst="ellipse">
             <a:avLst/>
           </a:prstGeom>
+          <a:solidFill>
+            <a:srgbClr val="FF0066"/>
+          </a:solidFill>
+          <a:ln>
+            <a:noFill/>
+          </a:ln>
         </p:spPr>
         <p:style>
           <a:lnRef idx="2">
@@ -4636,39 +5090,39 @@
           </a:fontRef>
         </p:style>
         <p:txBody>
-          <a:bodyPr rtlCol="0" anchor="ctr"/>
+          <a:bodyPr lIns="91429" tIns="45715" rIns="91429" bIns="45715" rtlCol="0" anchor="ctr"/>
           <a:lstStyle/>
           <a:p>
-            <a:pPr algn="ctr"/>
-            <a:r>
-              <a:rPr kumimoji="1" lang="en-US" altLang="ja-JP" dirty="0" smtClean="0"/>
+            <a:pPr algn="ctr" defTabSz="914295"/>
+            <a:r>
+              <a:rPr lang="en-US" altLang="ja-JP" dirty="0"/>
               <a:t>X’</a:t>
             </a:r>
-            <a:endParaRPr kumimoji="1" lang="ja-JP" altLang="en-US" dirty="0"/>
+            <a:endParaRPr lang="ja-JP" altLang="en-US" dirty="0"/>
           </a:p>
         </p:txBody>
       </p:sp>
       <p:cxnSp>
         <p:nvCxnSpPr>
-          <p:cNvPr id="33" name="直線矢印コネクタ 32"/>
+          <p:cNvPr id="45" name="直線矢印コネクタ 44"/>
           <p:cNvCxnSpPr>
-            <a:stCxn id="32" idx="1"/>
+            <a:stCxn id="44" idx="1"/>
           </p:cNvCxnSpPr>
           <p:nvPr/>
         </p:nvCxnSpPr>
         <p:spPr>
           <a:xfrm flipH="1" flipV="1">
-            <a:off x="4450032" y="3760169"/>
+            <a:off x="4450032" y="3466382"/>
             <a:ext cx="446224" cy="399819"/>
           </a:xfrm>
           <a:prstGeom prst="straightConnector1">
             <a:avLst/>
           </a:prstGeom>
-          <a:ln w="19050">
+          <a:ln w="31750">
             <a:solidFill>
               <a:schemeClr val="tx1"/>
             </a:solidFill>
-            <a:prstDash val="sysDash"/>
+            <a:prstDash val="sysDot"/>
             <a:tailEnd type="triangle" w="lg" len="med"/>
           </a:ln>
         </p:spPr>
@@ -4689,189 +5143,24 @@
       </p:cxnSp>
       <p:sp>
         <p:nvSpPr>
-          <p:cNvPr id="37" name="テキスト ボックス 36"/>
-          <p:cNvSpPr txBox="1"/>
+          <p:cNvPr id="46" name="円/楕円 45"/>
+          <p:cNvSpPr/>
           <p:nvPr/>
         </p:nvSpPr>
         <p:spPr>
           <a:xfrm>
-            <a:off x="267552" y="478413"/>
-            <a:ext cx="8624928" cy="1200329"/>
-          </a:xfrm>
-          <a:prstGeom prst="rect">
-            <a:avLst/>
-          </a:prstGeom>
-          <a:noFill/>
-        </p:spPr>
-        <p:txBody>
-          <a:bodyPr wrap="square" rtlCol="0">
-            <a:spAutoFit/>
-          </a:bodyPr>
-          <a:lstStyle/>
-          <a:p>
-            <a:r>
-              <a:rPr lang="en-US" altLang="ja-JP" dirty="0" err="1" smtClean="0"/>
-              <a:t>bugfix</a:t>
-            </a:r>
-            <a:r>
-              <a:rPr lang="ja-JP" altLang="en-US" dirty="0" smtClean="0"/>
-              <a:t>ブランチをチェックアウトして、「</a:t>
-            </a:r>
-            <a:r>
-              <a:rPr lang="en-US" altLang="ja-JP" dirty="0" err="1" smtClean="0"/>
-              <a:t>git</a:t>
-            </a:r>
-            <a:r>
-              <a:rPr lang="en-US" altLang="ja-JP" dirty="0" smtClean="0"/>
-              <a:t> rebase master</a:t>
-            </a:r>
-            <a:r>
-              <a:rPr lang="ja-JP" altLang="en-US" dirty="0" smtClean="0"/>
-              <a:t>」を実行した。</a:t>
-            </a:r>
-            <a:endParaRPr lang="en-US" altLang="ja-JP" dirty="0" smtClean="0"/>
-          </a:p>
-          <a:p>
-            <a:r>
-              <a:rPr lang="en-US" altLang="ja-JP" dirty="0" err="1"/>
-              <a:t>b</a:t>
-            </a:r>
-            <a:r>
-              <a:rPr lang="en-US" altLang="ja-JP" dirty="0" err="1" smtClean="0"/>
-              <a:t>ugfix</a:t>
-            </a:r>
-            <a:r>
-              <a:rPr lang="ja-JP" altLang="en-US" dirty="0" smtClean="0"/>
-              <a:t>ブランチの起点</a:t>
-            </a:r>
-            <a:r>
-              <a:rPr lang="en-US" altLang="ja-JP" dirty="0" smtClean="0"/>
-              <a:t>(base)</a:t>
-            </a:r>
-            <a:r>
-              <a:rPr lang="ja-JP" altLang="en-US" dirty="0" smtClean="0"/>
-              <a:t>が</a:t>
-            </a:r>
-            <a:r>
-              <a:rPr lang="en-US" altLang="ja-JP" dirty="0" smtClean="0"/>
-              <a:t>master</a:t>
-            </a:r>
-            <a:r>
-              <a:rPr lang="ja-JP" altLang="en-US" dirty="0" smtClean="0"/>
-              <a:t>ブランチが現在指しているコミット</a:t>
-            </a:r>
-            <a:r>
-              <a:rPr lang="en-US" altLang="ja-JP" dirty="0" smtClean="0"/>
-              <a:t>D</a:t>
-            </a:r>
-            <a:r>
-              <a:rPr lang="ja-JP" altLang="en-US" dirty="0" smtClean="0"/>
-              <a:t>に変わ</a:t>
-            </a:r>
-            <a:r>
-              <a:rPr lang="ja-JP" altLang="en-US" dirty="0"/>
-              <a:t>った</a:t>
-            </a:r>
-            <a:r>
-              <a:rPr lang="ja-JP" altLang="en-US" dirty="0" smtClean="0"/>
-              <a:t>。</a:t>
-            </a:r>
-            <a:endParaRPr lang="en-US" altLang="ja-JP" dirty="0" smtClean="0"/>
-          </a:p>
-          <a:p>
-            <a:r>
-              <a:rPr lang="ja-JP" altLang="en-US" dirty="0" smtClean="0"/>
-              <a:t>もともとあったコミット</a:t>
-            </a:r>
-            <a:r>
-              <a:rPr lang="en-US" altLang="ja-JP" dirty="0" smtClean="0"/>
-              <a:t>X</a:t>
-            </a:r>
-            <a:r>
-              <a:rPr lang="ja-JP" altLang="en-US" dirty="0" smtClean="0"/>
-              <a:t>と</a:t>
-            </a:r>
-            <a:r>
-              <a:rPr lang="en-US" altLang="ja-JP" dirty="0" smtClean="0"/>
-              <a:t>Y</a:t>
-            </a:r>
-            <a:r>
-              <a:rPr lang="ja-JP" altLang="en-US" dirty="0" smtClean="0"/>
-              <a:t>は再作成され、</a:t>
-            </a:r>
-            <a:r>
-              <a:rPr lang="en-US" altLang="ja-JP" dirty="0" smtClean="0"/>
-              <a:t>X’</a:t>
-            </a:r>
-            <a:r>
-              <a:rPr lang="ja-JP" altLang="en-US" dirty="0" smtClean="0"/>
-              <a:t>と</a:t>
-            </a:r>
-            <a:r>
-              <a:rPr lang="en-US" altLang="ja-JP" dirty="0" smtClean="0"/>
-              <a:t>Y’</a:t>
-            </a:r>
-            <a:r>
-              <a:rPr lang="ja-JP" altLang="en-US" dirty="0" smtClean="0"/>
-              <a:t>に変わっている</a:t>
-            </a:r>
-            <a:r>
-              <a:rPr lang="ja-JP" altLang="en-US" dirty="0" smtClean="0"/>
-              <a:t>。</a:t>
-            </a:r>
-            <a:endParaRPr lang="en-US" altLang="ja-JP" dirty="0" smtClean="0"/>
-          </a:p>
-          <a:p>
-            <a:r>
-              <a:rPr lang="ja-JP" altLang="en-US" dirty="0"/>
-              <a:t>これ</a:t>
-            </a:r>
-            <a:r>
-              <a:rPr lang="ja-JP" altLang="en-US" dirty="0" smtClean="0"/>
-              <a:t>で</a:t>
-            </a:r>
-            <a:r>
-              <a:rPr lang="en-US" altLang="ja-JP" dirty="0" err="1" smtClean="0"/>
-              <a:t>bugfix</a:t>
-            </a:r>
-            <a:r>
-              <a:rPr lang="ja-JP" altLang="en-US" dirty="0" smtClean="0"/>
-              <a:t>ブランチにコミット</a:t>
-            </a:r>
-            <a:r>
-              <a:rPr lang="en-US" altLang="ja-JP" dirty="0" smtClean="0"/>
-              <a:t>C</a:t>
-            </a:r>
-            <a:r>
-              <a:rPr lang="ja-JP" altLang="en-US" dirty="0" err="1" smtClean="0"/>
-              <a:t>、</a:t>
-            </a:r>
-            <a:r>
-              <a:rPr lang="en-US" altLang="ja-JP" dirty="0" smtClean="0"/>
-              <a:t>D</a:t>
-            </a:r>
-            <a:r>
-              <a:rPr lang="ja-JP" altLang="en-US" dirty="0" smtClean="0"/>
-              <a:t>が取り込まれた。</a:t>
-            </a:r>
-            <a:endParaRPr lang="en-US" altLang="ja-JP" dirty="0" smtClean="0"/>
-          </a:p>
-        </p:txBody>
-      </p:sp>
-      <p:sp>
-        <p:nvSpPr>
-          <p:cNvPr id="16" name="円/楕円 15"/>
-          <p:cNvSpPr/>
-          <p:nvPr/>
-        </p:nvSpPr>
-        <p:spPr>
-          <a:xfrm>
-            <a:off x="5769416" y="4080907"/>
+            <a:off x="5769416" y="3787120"/>
             <a:ext cx="540000" cy="540000"/>
           </a:xfrm>
           <a:prstGeom prst="ellipse">
             <a:avLst/>
           </a:prstGeom>
+          <a:solidFill>
+            <a:srgbClr val="FF0066"/>
+          </a:solidFill>
+          <a:ln>
+            <a:noFill/>
+          </a:ln>
         </p:spPr>
         <p:style>
           <a:lnRef idx="2">
@@ -4890,39 +5179,39 @@
           </a:fontRef>
         </p:style>
         <p:txBody>
-          <a:bodyPr rtlCol="0" anchor="ctr"/>
+          <a:bodyPr lIns="91429" tIns="45715" rIns="91429" bIns="45715" rtlCol="0" anchor="ctr"/>
           <a:lstStyle/>
           <a:p>
-            <a:pPr algn="ctr"/>
-            <a:r>
-              <a:rPr kumimoji="1" lang="en-US" altLang="ja-JP" dirty="0" smtClean="0"/>
+            <a:pPr algn="ctr" defTabSz="914295"/>
+            <a:r>
+              <a:rPr lang="en-US" altLang="ja-JP" dirty="0"/>
               <a:t>Y’</a:t>
             </a:r>
-            <a:endParaRPr kumimoji="1" lang="ja-JP" altLang="en-US" dirty="0"/>
+            <a:endParaRPr lang="ja-JP" altLang="en-US" dirty="0"/>
           </a:p>
         </p:txBody>
       </p:sp>
       <p:cxnSp>
         <p:nvCxnSpPr>
-          <p:cNvPr id="17" name="直線矢印コネクタ 16"/>
+          <p:cNvPr id="47" name="直線矢印コネクタ 46"/>
           <p:cNvCxnSpPr>
-            <a:stCxn id="16" idx="2"/>
+            <a:stCxn id="46" idx="2"/>
           </p:cNvCxnSpPr>
           <p:nvPr/>
         </p:nvCxnSpPr>
         <p:spPr>
           <a:xfrm flipH="1">
-            <a:off x="5355310" y="4350907"/>
+            <a:off x="5355310" y="4057120"/>
             <a:ext cx="414106" cy="0"/>
           </a:xfrm>
           <a:prstGeom prst="straightConnector1">
             <a:avLst/>
           </a:prstGeom>
-          <a:ln w="19050">
+          <a:ln w="31750">
             <a:solidFill>
               <a:schemeClr val="tx1"/>
             </a:solidFill>
-            <a:prstDash val="sysDash"/>
+            <a:prstDash val="sysDot"/>
             <a:tailEnd type="triangle" w="lg" len="med"/>
           </a:ln>
         </p:spPr>
@@ -4941,6 +5230,645 @@
           </a:fontRef>
         </p:style>
       </p:cxnSp>
+      <p:sp>
+        <p:nvSpPr>
+          <p:cNvPr id="48" name="角丸四角形吹き出し 70"/>
+          <p:cNvSpPr/>
+          <p:nvPr/>
+        </p:nvSpPr>
+        <p:spPr>
+          <a:xfrm>
+            <a:off x="203401" y="123901"/>
+            <a:ext cx="8737200" cy="1433282"/>
+          </a:xfrm>
+          <a:custGeom>
+            <a:avLst/>
+            <a:gdLst>
+              <a:gd name="connsiteX0" fmla="*/ 0 w 8541658"/>
+              <a:gd name="connsiteY0" fmla="*/ 214817 h 1288876"/>
+              <a:gd name="connsiteX1" fmla="*/ 214817 w 8541658"/>
+              <a:gd name="connsiteY1" fmla="*/ 0 h 1288876"/>
+              <a:gd name="connsiteX2" fmla="*/ 1423610 w 8541658"/>
+              <a:gd name="connsiteY2" fmla="*/ 0 h 1288876"/>
+              <a:gd name="connsiteX3" fmla="*/ 1423610 w 8541658"/>
+              <a:gd name="connsiteY3" fmla="*/ 0 h 1288876"/>
+              <a:gd name="connsiteX4" fmla="*/ 3559024 w 8541658"/>
+              <a:gd name="connsiteY4" fmla="*/ 0 h 1288876"/>
+              <a:gd name="connsiteX5" fmla="*/ 8326841 w 8541658"/>
+              <a:gd name="connsiteY5" fmla="*/ 0 h 1288876"/>
+              <a:gd name="connsiteX6" fmla="*/ 8541658 w 8541658"/>
+              <a:gd name="connsiteY6" fmla="*/ 214817 h 1288876"/>
+              <a:gd name="connsiteX7" fmla="*/ 8541658 w 8541658"/>
+              <a:gd name="connsiteY7" fmla="*/ 751844 h 1288876"/>
+              <a:gd name="connsiteX8" fmla="*/ 8541658 w 8541658"/>
+              <a:gd name="connsiteY8" fmla="*/ 751844 h 1288876"/>
+              <a:gd name="connsiteX9" fmla="*/ 8541658 w 8541658"/>
+              <a:gd name="connsiteY9" fmla="*/ 1074063 h 1288876"/>
+              <a:gd name="connsiteX10" fmla="*/ 8541658 w 8541658"/>
+              <a:gd name="connsiteY10" fmla="*/ 1074059 h 1288876"/>
+              <a:gd name="connsiteX11" fmla="*/ 8326841 w 8541658"/>
+              <a:gd name="connsiteY11" fmla="*/ 1288876 h 1288876"/>
+              <a:gd name="connsiteX12" fmla="*/ 3559024 w 8541658"/>
+              <a:gd name="connsiteY12" fmla="*/ 1288876 h 1288876"/>
+              <a:gd name="connsiteX13" fmla="*/ 2230227 w 8541658"/>
+              <a:gd name="connsiteY13" fmla="*/ 1471381 h 1288876"/>
+              <a:gd name="connsiteX14" fmla="*/ 1423610 w 8541658"/>
+              <a:gd name="connsiteY14" fmla="*/ 1288876 h 1288876"/>
+              <a:gd name="connsiteX15" fmla="*/ 214817 w 8541658"/>
+              <a:gd name="connsiteY15" fmla="*/ 1288876 h 1288876"/>
+              <a:gd name="connsiteX16" fmla="*/ 0 w 8541658"/>
+              <a:gd name="connsiteY16" fmla="*/ 1074059 h 1288876"/>
+              <a:gd name="connsiteX17" fmla="*/ 0 w 8541658"/>
+              <a:gd name="connsiteY17" fmla="*/ 1074063 h 1288876"/>
+              <a:gd name="connsiteX18" fmla="*/ 0 w 8541658"/>
+              <a:gd name="connsiteY18" fmla="*/ 751844 h 1288876"/>
+              <a:gd name="connsiteX19" fmla="*/ 0 w 8541658"/>
+              <a:gd name="connsiteY19" fmla="*/ 751844 h 1288876"/>
+              <a:gd name="connsiteX20" fmla="*/ 0 w 8541658"/>
+              <a:gd name="connsiteY20" fmla="*/ 214817 h 1288876"/>
+              <a:gd name="connsiteX0" fmla="*/ 0 w 8541658"/>
+              <a:gd name="connsiteY0" fmla="*/ 214817 h 1471381"/>
+              <a:gd name="connsiteX1" fmla="*/ 214817 w 8541658"/>
+              <a:gd name="connsiteY1" fmla="*/ 0 h 1471381"/>
+              <a:gd name="connsiteX2" fmla="*/ 1423610 w 8541658"/>
+              <a:gd name="connsiteY2" fmla="*/ 0 h 1471381"/>
+              <a:gd name="connsiteX3" fmla="*/ 1423610 w 8541658"/>
+              <a:gd name="connsiteY3" fmla="*/ 0 h 1471381"/>
+              <a:gd name="connsiteX4" fmla="*/ 3559024 w 8541658"/>
+              <a:gd name="connsiteY4" fmla="*/ 0 h 1471381"/>
+              <a:gd name="connsiteX5" fmla="*/ 8326841 w 8541658"/>
+              <a:gd name="connsiteY5" fmla="*/ 0 h 1471381"/>
+              <a:gd name="connsiteX6" fmla="*/ 8541658 w 8541658"/>
+              <a:gd name="connsiteY6" fmla="*/ 214817 h 1471381"/>
+              <a:gd name="connsiteX7" fmla="*/ 8541658 w 8541658"/>
+              <a:gd name="connsiteY7" fmla="*/ 751844 h 1471381"/>
+              <a:gd name="connsiteX8" fmla="*/ 8541658 w 8541658"/>
+              <a:gd name="connsiteY8" fmla="*/ 751844 h 1471381"/>
+              <a:gd name="connsiteX9" fmla="*/ 8541658 w 8541658"/>
+              <a:gd name="connsiteY9" fmla="*/ 1074063 h 1471381"/>
+              <a:gd name="connsiteX10" fmla="*/ 8541658 w 8541658"/>
+              <a:gd name="connsiteY10" fmla="*/ 1074059 h 1471381"/>
+              <a:gd name="connsiteX11" fmla="*/ 8326841 w 8541658"/>
+              <a:gd name="connsiteY11" fmla="*/ 1288876 h 1471381"/>
+              <a:gd name="connsiteX12" fmla="*/ 1852144 w 8541658"/>
+              <a:gd name="connsiteY12" fmla="*/ 1288876 h 1471381"/>
+              <a:gd name="connsiteX13" fmla="*/ 2230227 w 8541658"/>
+              <a:gd name="connsiteY13" fmla="*/ 1471381 h 1471381"/>
+              <a:gd name="connsiteX14" fmla="*/ 1423610 w 8541658"/>
+              <a:gd name="connsiteY14" fmla="*/ 1288876 h 1471381"/>
+              <a:gd name="connsiteX15" fmla="*/ 214817 w 8541658"/>
+              <a:gd name="connsiteY15" fmla="*/ 1288876 h 1471381"/>
+              <a:gd name="connsiteX16" fmla="*/ 0 w 8541658"/>
+              <a:gd name="connsiteY16" fmla="*/ 1074059 h 1471381"/>
+              <a:gd name="connsiteX17" fmla="*/ 0 w 8541658"/>
+              <a:gd name="connsiteY17" fmla="*/ 1074063 h 1471381"/>
+              <a:gd name="connsiteX18" fmla="*/ 0 w 8541658"/>
+              <a:gd name="connsiteY18" fmla="*/ 751844 h 1471381"/>
+              <a:gd name="connsiteX19" fmla="*/ 0 w 8541658"/>
+              <a:gd name="connsiteY19" fmla="*/ 751844 h 1471381"/>
+              <a:gd name="connsiteX20" fmla="*/ 0 w 8541658"/>
+              <a:gd name="connsiteY20" fmla="*/ 214817 h 1471381"/>
+              <a:gd name="connsiteX0" fmla="*/ 0 w 8541658"/>
+              <a:gd name="connsiteY0" fmla="*/ 214817 h 1433281"/>
+              <a:gd name="connsiteX1" fmla="*/ 214817 w 8541658"/>
+              <a:gd name="connsiteY1" fmla="*/ 0 h 1433281"/>
+              <a:gd name="connsiteX2" fmla="*/ 1423610 w 8541658"/>
+              <a:gd name="connsiteY2" fmla="*/ 0 h 1433281"/>
+              <a:gd name="connsiteX3" fmla="*/ 1423610 w 8541658"/>
+              <a:gd name="connsiteY3" fmla="*/ 0 h 1433281"/>
+              <a:gd name="connsiteX4" fmla="*/ 3559024 w 8541658"/>
+              <a:gd name="connsiteY4" fmla="*/ 0 h 1433281"/>
+              <a:gd name="connsiteX5" fmla="*/ 8326841 w 8541658"/>
+              <a:gd name="connsiteY5" fmla="*/ 0 h 1433281"/>
+              <a:gd name="connsiteX6" fmla="*/ 8541658 w 8541658"/>
+              <a:gd name="connsiteY6" fmla="*/ 214817 h 1433281"/>
+              <a:gd name="connsiteX7" fmla="*/ 8541658 w 8541658"/>
+              <a:gd name="connsiteY7" fmla="*/ 751844 h 1433281"/>
+              <a:gd name="connsiteX8" fmla="*/ 8541658 w 8541658"/>
+              <a:gd name="connsiteY8" fmla="*/ 751844 h 1433281"/>
+              <a:gd name="connsiteX9" fmla="*/ 8541658 w 8541658"/>
+              <a:gd name="connsiteY9" fmla="*/ 1074063 h 1433281"/>
+              <a:gd name="connsiteX10" fmla="*/ 8541658 w 8541658"/>
+              <a:gd name="connsiteY10" fmla="*/ 1074059 h 1433281"/>
+              <a:gd name="connsiteX11" fmla="*/ 8326841 w 8541658"/>
+              <a:gd name="connsiteY11" fmla="*/ 1288876 h 1433281"/>
+              <a:gd name="connsiteX12" fmla="*/ 1852144 w 8541658"/>
+              <a:gd name="connsiteY12" fmla="*/ 1288876 h 1433281"/>
+              <a:gd name="connsiteX13" fmla="*/ 1864467 w 8541658"/>
+              <a:gd name="connsiteY13" fmla="*/ 1433281 h 1433281"/>
+              <a:gd name="connsiteX14" fmla="*/ 1423610 w 8541658"/>
+              <a:gd name="connsiteY14" fmla="*/ 1288876 h 1433281"/>
+              <a:gd name="connsiteX15" fmla="*/ 214817 w 8541658"/>
+              <a:gd name="connsiteY15" fmla="*/ 1288876 h 1433281"/>
+              <a:gd name="connsiteX16" fmla="*/ 0 w 8541658"/>
+              <a:gd name="connsiteY16" fmla="*/ 1074059 h 1433281"/>
+              <a:gd name="connsiteX17" fmla="*/ 0 w 8541658"/>
+              <a:gd name="connsiteY17" fmla="*/ 1074063 h 1433281"/>
+              <a:gd name="connsiteX18" fmla="*/ 0 w 8541658"/>
+              <a:gd name="connsiteY18" fmla="*/ 751844 h 1433281"/>
+              <a:gd name="connsiteX19" fmla="*/ 0 w 8541658"/>
+              <a:gd name="connsiteY19" fmla="*/ 751844 h 1433281"/>
+              <a:gd name="connsiteX20" fmla="*/ 0 w 8541658"/>
+              <a:gd name="connsiteY20" fmla="*/ 214817 h 1433281"/>
+            </a:gdLst>
+            <a:ahLst/>
+            <a:cxnLst>
+              <a:cxn ang="0">
+                <a:pos x="connsiteX0" y="connsiteY0"/>
+              </a:cxn>
+              <a:cxn ang="0">
+                <a:pos x="connsiteX1" y="connsiteY1"/>
+              </a:cxn>
+              <a:cxn ang="0">
+                <a:pos x="connsiteX2" y="connsiteY2"/>
+              </a:cxn>
+              <a:cxn ang="0">
+                <a:pos x="connsiteX3" y="connsiteY3"/>
+              </a:cxn>
+              <a:cxn ang="0">
+                <a:pos x="connsiteX4" y="connsiteY4"/>
+              </a:cxn>
+              <a:cxn ang="0">
+                <a:pos x="connsiteX5" y="connsiteY5"/>
+              </a:cxn>
+              <a:cxn ang="0">
+                <a:pos x="connsiteX6" y="connsiteY6"/>
+              </a:cxn>
+              <a:cxn ang="0">
+                <a:pos x="connsiteX7" y="connsiteY7"/>
+              </a:cxn>
+              <a:cxn ang="0">
+                <a:pos x="connsiteX8" y="connsiteY8"/>
+              </a:cxn>
+              <a:cxn ang="0">
+                <a:pos x="connsiteX9" y="connsiteY9"/>
+              </a:cxn>
+              <a:cxn ang="0">
+                <a:pos x="connsiteX10" y="connsiteY10"/>
+              </a:cxn>
+              <a:cxn ang="0">
+                <a:pos x="connsiteX11" y="connsiteY11"/>
+              </a:cxn>
+              <a:cxn ang="0">
+                <a:pos x="connsiteX12" y="connsiteY12"/>
+              </a:cxn>
+              <a:cxn ang="0">
+                <a:pos x="connsiteX13" y="connsiteY13"/>
+              </a:cxn>
+              <a:cxn ang="0">
+                <a:pos x="connsiteX14" y="connsiteY14"/>
+              </a:cxn>
+              <a:cxn ang="0">
+                <a:pos x="connsiteX15" y="connsiteY15"/>
+              </a:cxn>
+              <a:cxn ang="0">
+                <a:pos x="connsiteX16" y="connsiteY16"/>
+              </a:cxn>
+              <a:cxn ang="0">
+                <a:pos x="connsiteX17" y="connsiteY17"/>
+              </a:cxn>
+              <a:cxn ang="0">
+                <a:pos x="connsiteX18" y="connsiteY18"/>
+              </a:cxn>
+              <a:cxn ang="0">
+                <a:pos x="connsiteX19" y="connsiteY19"/>
+              </a:cxn>
+              <a:cxn ang="0">
+                <a:pos x="connsiteX20" y="connsiteY20"/>
+              </a:cxn>
+            </a:cxnLst>
+            <a:rect l="l" t="t" r="r" b="b"/>
+            <a:pathLst>
+              <a:path w="8541658" h="1433281">
+                <a:moveTo>
+                  <a:pt x="0" y="214817"/>
+                </a:moveTo>
+                <a:cubicBezTo>
+                  <a:pt x="0" y="96177"/>
+                  <a:pt x="96177" y="0"/>
+                  <a:pt x="214817" y="0"/>
+                </a:cubicBezTo>
+                <a:lnTo>
+                  <a:pt x="1423610" y="0"/>
+                </a:lnTo>
+                <a:lnTo>
+                  <a:pt x="1423610" y="0"/>
+                </a:lnTo>
+                <a:lnTo>
+                  <a:pt x="3559024" y="0"/>
+                </a:lnTo>
+                <a:lnTo>
+                  <a:pt x="8326841" y="0"/>
+                </a:lnTo>
+                <a:cubicBezTo>
+                  <a:pt x="8445481" y="0"/>
+                  <a:pt x="8541658" y="96177"/>
+                  <a:pt x="8541658" y="214817"/>
+                </a:cubicBezTo>
+                <a:lnTo>
+                  <a:pt x="8541658" y="751844"/>
+                </a:lnTo>
+                <a:lnTo>
+                  <a:pt x="8541658" y="751844"/>
+                </a:lnTo>
+                <a:lnTo>
+                  <a:pt x="8541658" y="1074063"/>
+                </a:lnTo>
+                <a:lnTo>
+                  <a:pt x="8541658" y="1074059"/>
+                </a:lnTo>
+                <a:cubicBezTo>
+                  <a:pt x="8541658" y="1192699"/>
+                  <a:pt x="8445481" y="1288876"/>
+                  <a:pt x="8326841" y="1288876"/>
+                </a:cubicBezTo>
+                <a:lnTo>
+                  <a:pt x="1852144" y="1288876"/>
+                </a:lnTo>
+                <a:lnTo>
+                  <a:pt x="1864467" y="1433281"/>
+                </a:lnTo>
+                <a:lnTo>
+                  <a:pt x="1423610" y="1288876"/>
+                </a:lnTo>
+                <a:lnTo>
+                  <a:pt x="214817" y="1288876"/>
+                </a:lnTo>
+                <a:cubicBezTo>
+                  <a:pt x="96177" y="1288876"/>
+                  <a:pt x="0" y="1192699"/>
+                  <a:pt x="0" y="1074059"/>
+                </a:cubicBezTo>
+                <a:lnTo>
+                  <a:pt x="0" y="1074063"/>
+                </a:lnTo>
+                <a:lnTo>
+                  <a:pt x="0" y="751844"/>
+                </a:lnTo>
+                <a:lnTo>
+                  <a:pt x="0" y="751844"/>
+                </a:lnTo>
+                <a:lnTo>
+                  <a:pt x="0" y="214817"/>
+                </a:lnTo>
+                <a:close/>
+              </a:path>
+            </a:pathLst>
+          </a:custGeom>
+          <a:solidFill>
+            <a:srgbClr val="03C924"/>
+          </a:solidFill>
+          <a:ln>
+            <a:noFill/>
+          </a:ln>
+        </p:spPr>
+        <p:style>
+          <a:lnRef idx="2">
+            <a:schemeClr val="accent1">
+              <a:shade val="50000"/>
+            </a:schemeClr>
+          </a:lnRef>
+          <a:fillRef idx="1">
+            <a:schemeClr val="accent1"/>
+          </a:fillRef>
+          <a:effectRef idx="0">
+            <a:schemeClr val="accent1"/>
+          </a:effectRef>
+          <a:fontRef idx="minor">
+            <a:schemeClr val="lt1"/>
+          </a:fontRef>
+        </p:style>
+        <p:txBody>
+          <a:bodyPr lIns="143983" tIns="143983" rIns="143983" bIns="0" rtlCol="0" anchor="ctr"/>
+          <a:lstStyle/>
+          <a:p>
+            <a:r>
+              <a:rPr lang="en-US" altLang="ja-JP" b="1" dirty="0" err="1">
+                <a:ea typeface="ＭＳ ゴシック" panose="020B0609070205080204" pitchFamily="49" charset="-128"/>
+              </a:rPr>
+              <a:t>b</a:t>
+            </a:r>
+            <a:r>
+              <a:rPr lang="en-US" altLang="ja-JP" b="1" dirty="0" err="1" smtClean="0">
+                <a:ea typeface="ＭＳ ゴシック" panose="020B0609070205080204" pitchFamily="49" charset="-128"/>
+              </a:rPr>
+              <a:t>ugfix</a:t>
+            </a:r>
+            <a:r>
+              <a:rPr lang="en-US" altLang="ja-JP" b="1" dirty="0" smtClean="0">
+                <a:ea typeface="ＭＳ ゴシック" panose="020B0609070205080204" pitchFamily="49" charset="-128"/>
+              </a:rPr>
+              <a:t> </a:t>
+            </a:r>
+            <a:r>
+              <a:rPr lang="ja-JP" altLang="en-US" b="1" dirty="0" smtClean="0">
+                <a:ea typeface="ＭＳ ゴシック" panose="020B0609070205080204" pitchFamily="49" charset="-128"/>
+              </a:rPr>
+              <a:t>ブランチ</a:t>
+            </a:r>
+            <a:r>
+              <a:rPr lang="ja-JP" altLang="en-US" b="1" dirty="0">
+                <a:ea typeface="ＭＳ ゴシック" panose="020B0609070205080204" pitchFamily="49" charset="-128"/>
+              </a:rPr>
+              <a:t>をチェックアウトして、「</a:t>
+            </a:r>
+            <a:r>
+              <a:rPr lang="en-US" altLang="ja-JP" b="1" dirty="0" err="1">
+                <a:ea typeface="ＭＳ ゴシック" panose="020B0609070205080204" pitchFamily="49" charset="-128"/>
+              </a:rPr>
+              <a:t>git</a:t>
+            </a:r>
+            <a:r>
+              <a:rPr lang="en-US" altLang="ja-JP" b="1" dirty="0">
+                <a:ea typeface="ＭＳ ゴシック" panose="020B0609070205080204" pitchFamily="49" charset="-128"/>
+              </a:rPr>
+              <a:t> rebase master</a:t>
+            </a:r>
+            <a:r>
+              <a:rPr lang="ja-JP" altLang="en-US" b="1" dirty="0">
+                <a:ea typeface="ＭＳ ゴシック" panose="020B0609070205080204" pitchFamily="49" charset="-128"/>
+              </a:rPr>
+              <a:t>」を</a:t>
+            </a:r>
+            <a:r>
+              <a:rPr lang="ja-JP" altLang="en-US" b="1" dirty="0" smtClean="0">
+                <a:ea typeface="ＭＳ ゴシック" panose="020B0609070205080204" pitchFamily="49" charset="-128"/>
+              </a:rPr>
+              <a:t>実行。</a:t>
+            </a:r>
+            <a:endParaRPr lang="ja-JP" altLang="en-US" b="1" dirty="0">
+              <a:ea typeface="ＭＳ ゴシック" panose="020B0609070205080204" pitchFamily="49" charset="-128"/>
+            </a:endParaRPr>
+          </a:p>
+          <a:p>
+            <a:r>
+              <a:rPr lang="en-US" altLang="ja-JP" b="1" dirty="0" err="1">
+                <a:ea typeface="ＭＳ ゴシック" panose="020B0609070205080204" pitchFamily="49" charset="-128"/>
+              </a:rPr>
+              <a:t>b</a:t>
+            </a:r>
+            <a:r>
+              <a:rPr lang="en-US" altLang="ja-JP" b="1" dirty="0" err="1" smtClean="0">
+                <a:ea typeface="ＭＳ ゴシック" panose="020B0609070205080204" pitchFamily="49" charset="-128"/>
+              </a:rPr>
+              <a:t>ugfix</a:t>
+            </a:r>
+            <a:r>
+              <a:rPr lang="en-US" altLang="ja-JP" b="1" dirty="0" smtClean="0">
+                <a:ea typeface="ＭＳ ゴシック" panose="020B0609070205080204" pitchFamily="49" charset="-128"/>
+              </a:rPr>
+              <a:t> </a:t>
+            </a:r>
+            <a:r>
+              <a:rPr lang="ja-JP" altLang="en-US" b="1" dirty="0" smtClean="0">
+                <a:ea typeface="ＭＳ ゴシック" panose="020B0609070205080204" pitchFamily="49" charset="-128"/>
+              </a:rPr>
+              <a:t>ブランチ</a:t>
+            </a:r>
+            <a:r>
+              <a:rPr lang="ja-JP" altLang="en-US" b="1" dirty="0">
+                <a:ea typeface="ＭＳ ゴシック" panose="020B0609070205080204" pitchFamily="49" charset="-128"/>
+              </a:rPr>
+              <a:t>の</a:t>
+            </a:r>
+            <a:r>
+              <a:rPr lang="ja-JP" altLang="en-US" b="1" dirty="0" smtClean="0">
+                <a:ea typeface="ＭＳ ゴシック" panose="020B0609070205080204" pitchFamily="49" charset="-128"/>
+              </a:rPr>
+              <a:t>起点 </a:t>
+            </a:r>
+            <a:r>
+              <a:rPr lang="en-US" altLang="ja-JP" b="1" dirty="0" smtClean="0">
+                <a:ea typeface="ＭＳ ゴシック" panose="020B0609070205080204" pitchFamily="49" charset="-128"/>
+              </a:rPr>
+              <a:t>(</a:t>
+            </a:r>
+            <a:r>
+              <a:rPr lang="en-US" altLang="ja-JP" b="1" dirty="0">
+                <a:ea typeface="ＭＳ ゴシック" panose="020B0609070205080204" pitchFamily="49" charset="-128"/>
+              </a:rPr>
+              <a:t>base</a:t>
+            </a:r>
+            <a:r>
+              <a:rPr lang="en-US" altLang="ja-JP" b="1" dirty="0" smtClean="0">
+                <a:ea typeface="ＭＳ ゴシック" panose="020B0609070205080204" pitchFamily="49" charset="-128"/>
+              </a:rPr>
+              <a:t>) </a:t>
+            </a:r>
+            <a:r>
+              <a:rPr lang="ja-JP" altLang="en-US" b="1" dirty="0" smtClean="0">
+                <a:ea typeface="ＭＳ ゴシック" panose="020B0609070205080204" pitchFamily="49" charset="-128"/>
+              </a:rPr>
+              <a:t>が </a:t>
+            </a:r>
+            <a:r>
+              <a:rPr lang="en-US" altLang="ja-JP" b="1" dirty="0" smtClean="0">
+                <a:ea typeface="ＭＳ ゴシック" panose="020B0609070205080204" pitchFamily="49" charset="-128"/>
+              </a:rPr>
+              <a:t>master </a:t>
+            </a:r>
+            <a:r>
+              <a:rPr lang="ja-JP" altLang="en-US" b="1" dirty="0" smtClean="0">
+                <a:ea typeface="ＭＳ ゴシック" panose="020B0609070205080204" pitchFamily="49" charset="-128"/>
+              </a:rPr>
+              <a:t>ブランチが指して</a:t>
+            </a:r>
+            <a:r>
+              <a:rPr lang="ja-JP" altLang="en-US" b="1" dirty="0">
+                <a:ea typeface="ＭＳ ゴシック" panose="020B0609070205080204" pitchFamily="49" charset="-128"/>
+              </a:rPr>
+              <a:t>いる</a:t>
+            </a:r>
+            <a:r>
+              <a:rPr lang="ja-JP" altLang="en-US" b="1" dirty="0" smtClean="0">
+                <a:ea typeface="ＭＳ ゴシック" panose="020B0609070205080204" pitchFamily="49" charset="-128"/>
+              </a:rPr>
+              <a:t>コミット </a:t>
+            </a:r>
+            <a:r>
+              <a:rPr lang="en-US" altLang="ja-JP" b="1" dirty="0" smtClean="0">
+                <a:ea typeface="ＭＳ ゴシック" panose="020B0609070205080204" pitchFamily="49" charset="-128"/>
+              </a:rPr>
+              <a:t>D </a:t>
+            </a:r>
+            <a:r>
+              <a:rPr lang="ja-JP" altLang="en-US" b="1" dirty="0" smtClean="0">
+                <a:ea typeface="ＭＳ ゴシック" panose="020B0609070205080204" pitchFamily="49" charset="-128"/>
+              </a:rPr>
+              <a:t>に変わ</a:t>
+            </a:r>
+            <a:r>
+              <a:rPr lang="ja-JP" altLang="en-US" b="1" dirty="0">
+                <a:ea typeface="ＭＳ ゴシック" panose="020B0609070205080204" pitchFamily="49" charset="-128"/>
+              </a:rPr>
+              <a:t>り</a:t>
+            </a:r>
+            <a:r>
+              <a:rPr lang="ja-JP" altLang="en-US" b="1" dirty="0" smtClean="0">
+                <a:ea typeface="ＭＳ ゴシック" panose="020B0609070205080204" pitchFamily="49" charset="-128"/>
+              </a:rPr>
+              <a:t>、もともと</a:t>
+            </a:r>
+            <a:r>
+              <a:rPr lang="ja-JP" altLang="en-US" b="1" dirty="0">
+                <a:ea typeface="ＭＳ ゴシック" panose="020B0609070205080204" pitchFamily="49" charset="-128"/>
+              </a:rPr>
+              <a:t>あった</a:t>
+            </a:r>
+            <a:r>
+              <a:rPr lang="ja-JP" altLang="en-US" b="1" dirty="0" smtClean="0">
+                <a:ea typeface="ＭＳ ゴシック" panose="020B0609070205080204" pitchFamily="49" charset="-128"/>
+              </a:rPr>
+              <a:t>コミット </a:t>
+            </a:r>
+            <a:r>
+              <a:rPr lang="en-US" altLang="ja-JP" b="1" dirty="0" smtClean="0">
+                <a:ea typeface="ＭＳ ゴシック" panose="020B0609070205080204" pitchFamily="49" charset="-128"/>
+              </a:rPr>
+              <a:t>X </a:t>
+            </a:r>
+            <a:r>
+              <a:rPr lang="ja-JP" altLang="en-US" b="1" dirty="0" smtClean="0">
+                <a:ea typeface="ＭＳ ゴシック" panose="020B0609070205080204" pitchFamily="49" charset="-128"/>
+              </a:rPr>
+              <a:t>と </a:t>
+            </a:r>
+            <a:r>
+              <a:rPr lang="en-US" altLang="ja-JP" b="1" dirty="0" smtClean="0">
+                <a:ea typeface="ＭＳ ゴシック" panose="020B0609070205080204" pitchFamily="49" charset="-128"/>
+              </a:rPr>
+              <a:t>Y </a:t>
+            </a:r>
+            <a:r>
+              <a:rPr lang="ja-JP" altLang="en-US" b="1" dirty="0" smtClean="0">
+                <a:ea typeface="ＭＳ ゴシック" panose="020B0609070205080204" pitchFamily="49" charset="-128"/>
+              </a:rPr>
+              <a:t>は</a:t>
+            </a:r>
+            <a:r>
+              <a:rPr lang="ja-JP" altLang="en-US" b="1" dirty="0">
+                <a:ea typeface="ＭＳ ゴシック" panose="020B0609070205080204" pitchFamily="49" charset="-128"/>
+              </a:rPr>
+              <a:t>再作成され、</a:t>
+            </a:r>
+            <a:r>
+              <a:rPr lang="en-US" altLang="ja-JP" b="1" dirty="0">
+                <a:ea typeface="ＭＳ ゴシック" panose="020B0609070205080204" pitchFamily="49" charset="-128"/>
+              </a:rPr>
+              <a:t>X</a:t>
+            </a:r>
+            <a:r>
+              <a:rPr lang="en-US" altLang="ja-JP" b="1" dirty="0" smtClean="0">
+                <a:ea typeface="ＭＳ ゴシック" panose="020B0609070205080204" pitchFamily="49" charset="-128"/>
+              </a:rPr>
+              <a:t>’ </a:t>
+            </a:r>
+            <a:r>
+              <a:rPr lang="ja-JP" altLang="en-US" b="1" dirty="0" smtClean="0">
+                <a:ea typeface="ＭＳ ゴシック" panose="020B0609070205080204" pitchFamily="49" charset="-128"/>
+              </a:rPr>
+              <a:t>と </a:t>
+            </a:r>
+            <a:r>
+              <a:rPr lang="en-US" altLang="ja-JP" b="1" dirty="0" smtClean="0">
+                <a:ea typeface="ＭＳ ゴシック" panose="020B0609070205080204" pitchFamily="49" charset="-128"/>
+              </a:rPr>
+              <a:t>Y’ </a:t>
+            </a:r>
+            <a:r>
+              <a:rPr lang="ja-JP" altLang="en-US" b="1" dirty="0" smtClean="0">
+                <a:ea typeface="ＭＳ ゴシック" panose="020B0609070205080204" pitchFamily="49" charset="-128"/>
+              </a:rPr>
+              <a:t>に変わった。</a:t>
+            </a:r>
+            <a:endParaRPr lang="ja-JP" altLang="en-US" b="1" dirty="0">
+              <a:ea typeface="ＭＳ ゴシック" panose="020B0609070205080204" pitchFamily="49" charset="-128"/>
+            </a:endParaRPr>
+          </a:p>
+          <a:p>
+            <a:r>
+              <a:rPr lang="ja-JP" altLang="en-US" b="1" dirty="0">
+                <a:ea typeface="ＭＳ ゴシック" panose="020B0609070205080204" pitchFamily="49" charset="-128"/>
+              </a:rPr>
+              <a:t>これ</a:t>
+            </a:r>
+            <a:r>
+              <a:rPr lang="ja-JP" altLang="en-US" b="1" dirty="0" smtClean="0">
+                <a:ea typeface="ＭＳ ゴシック" panose="020B0609070205080204" pitchFamily="49" charset="-128"/>
+              </a:rPr>
+              <a:t>で </a:t>
+            </a:r>
+            <a:r>
+              <a:rPr lang="en-US" altLang="ja-JP" b="1" dirty="0" err="1" smtClean="0">
+                <a:ea typeface="ＭＳ ゴシック" panose="020B0609070205080204" pitchFamily="49" charset="-128"/>
+              </a:rPr>
+              <a:t>bugfix</a:t>
+            </a:r>
+            <a:r>
+              <a:rPr lang="ja-JP" altLang="en-US" b="1" dirty="0" smtClean="0">
+                <a:ea typeface="ＭＳ ゴシック" panose="020B0609070205080204" pitchFamily="49" charset="-128"/>
+              </a:rPr>
+              <a:t> ブランチ</a:t>
+            </a:r>
+            <a:r>
+              <a:rPr lang="ja-JP" altLang="en-US" b="1" dirty="0">
+                <a:ea typeface="ＭＳ ゴシック" panose="020B0609070205080204" pitchFamily="49" charset="-128"/>
+              </a:rPr>
+              <a:t>に</a:t>
+            </a:r>
+            <a:r>
+              <a:rPr lang="ja-JP" altLang="en-US" b="1" dirty="0" smtClean="0">
+                <a:ea typeface="ＭＳ ゴシック" panose="020B0609070205080204" pitchFamily="49" charset="-128"/>
+              </a:rPr>
+              <a:t>コミット </a:t>
+            </a:r>
+            <a:r>
+              <a:rPr lang="en-US" altLang="ja-JP" b="1" dirty="0" smtClean="0">
+                <a:ea typeface="ＭＳ ゴシック" panose="020B0609070205080204" pitchFamily="49" charset="-128"/>
+              </a:rPr>
+              <a:t>C</a:t>
+            </a:r>
+            <a:r>
+              <a:rPr lang="ja-JP" altLang="en-US" b="1" dirty="0" err="1">
+                <a:ea typeface="ＭＳ ゴシック" panose="020B0609070205080204" pitchFamily="49" charset="-128"/>
+              </a:rPr>
+              <a:t>、</a:t>
+            </a:r>
+            <a:r>
+              <a:rPr lang="en-US" altLang="ja-JP" b="1" dirty="0" smtClean="0">
+                <a:ea typeface="ＭＳ ゴシック" panose="020B0609070205080204" pitchFamily="49" charset="-128"/>
+              </a:rPr>
+              <a:t>D</a:t>
+            </a:r>
+            <a:r>
+              <a:rPr lang="ja-JP" altLang="en-US" b="1" dirty="0" smtClean="0">
+                <a:ea typeface="ＭＳ ゴシック" panose="020B0609070205080204" pitchFamily="49" charset="-128"/>
+              </a:rPr>
+              <a:t> が</a:t>
+            </a:r>
+            <a:r>
+              <a:rPr lang="ja-JP" altLang="en-US" b="1" dirty="0">
+                <a:ea typeface="ＭＳ ゴシック" panose="020B0609070205080204" pitchFamily="49" charset="-128"/>
+              </a:rPr>
+              <a:t>取り込まれた</a:t>
+            </a:r>
+            <a:r>
+              <a:rPr lang="ja-JP" altLang="en-US" b="1" dirty="0" smtClean="0">
+                <a:ea typeface="ＭＳ ゴシック" panose="020B0609070205080204" pitchFamily="49" charset="-128"/>
+              </a:rPr>
+              <a:t>。</a:t>
+            </a:r>
+            <a:endParaRPr lang="en-US" altLang="ja-JP" b="1" dirty="0" smtClean="0">
+              <a:ea typeface="ＭＳ ゴシック" panose="020B0609070205080204" pitchFamily="49" charset="-128"/>
+            </a:endParaRPr>
+          </a:p>
+          <a:p>
+            <a:endParaRPr lang="ja-JP" altLang="en-US" b="1" dirty="0">
+              <a:ea typeface="ＭＳ ゴシック" panose="020B0609070205080204" pitchFamily="49" charset="-128"/>
+            </a:endParaRPr>
+          </a:p>
+        </p:txBody>
+      </p:sp>
     </p:spTree>
     <p:extLst>
       <p:ext uri="{BB962C8B-B14F-4D97-AF65-F5344CB8AC3E}">
